--- a/PresentationTemplate.pptx
+++ b/PresentationTemplate.pptx
@@ -5,75 +5,83 @@
     <p:sldMasterId id="2147483708" r:id="rId1"/>
   </p:sldMasterIdLst>
   <p:notesMasterIdLst>
-    <p:notesMasterId r:id="rId7"/>
+    <p:notesMasterId r:id="rId15"/>
   </p:notesMasterIdLst>
   <p:handoutMasterIdLst>
-    <p:handoutMasterId r:id="rId8"/>
+    <p:handoutMasterId r:id="rId16"/>
   </p:handoutMasterIdLst>
   <p:sldIdLst>
     <p:sldId id="257" r:id="rId2"/>
     <p:sldId id="258" r:id="rId3"/>
     <p:sldId id="259" r:id="rId4"/>
-    <p:sldId id="260" r:id="rId5"/>
-    <p:sldId id="262" r:id="rId6"/>
+    <p:sldId id="263" r:id="rId5"/>
+    <p:sldId id="264" r:id="rId6"/>
+    <p:sldId id="266" r:id="rId7"/>
+    <p:sldId id="267" r:id="rId8"/>
+    <p:sldId id="268" r:id="rId9"/>
+    <p:sldId id="269" r:id="rId10"/>
+    <p:sldId id="270" r:id="rId11"/>
+    <p:sldId id="271" r:id="rId12"/>
+    <p:sldId id="262" r:id="rId13"/>
+    <p:sldId id="260" r:id="rId14"/>
   </p:sldIdLst>
   <p:sldSz cx="12192000" cy="6858000"/>
   <p:notesSz cx="6858000" cy="9144000"/>
   <p:embeddedFontLst>
     <p:embeddedFont>
       <p:font typeface="Acumin Pro" panose="020B0604020202020204" charset="0"/>
-      <p:regular r:id="rId9"/>
-      <p:bold r:id="rId10"/>
-      <p:italic r:id="rId11"/>
-      <p:boldItalic r:id="rId12"/>
-    </p:embeddedFont>
-    <p:embeddedFont>
-      <p:font typeface="Acumin Pro ExtraCondensed" panose="020B0604020202020204" charset="0"/>
-      <p:regular r:id="rId13"/>
-      <p:bold r:id="rId14"/>
-      <p:italic r:id="rId15"/>
-      <p:boldItalic r:id="rId16"/>
-    </p:embeddedFont>
-    <p:embeddedFont>
-      <p:font typeface="Acumin Pro ExtraCondensed Smbd" panose="020B0604020202020204" charset="0"/>
       <p:regular r:id="rId17"/>
       <p:bold r:id="rId18"/>
       <p:italic r:id="rId19"/>
       <p:boldItalic r:id="rId20"/>
     </p:embeddedFont>
     <p:embeddedFont>
+      <p:font typeface="Acumin Pro ExtraCondensed" panose="020B0604020202020204" charset="0"/>
+      <p:regular r:id="rId21"/>
+      <p:bold r:id="rId22"/>
+      <p:italic r:id="rId23"/>
+      <p:boldItalic r:id="rId24"/>
+    </p:embeddedFont>
+    <p:embeddedFont>
+      <p:font typeface="Acumin Pro ExtraCondensed Smbd" panose="020B0604020202020204" charset="0"/>
+      <p:regular r:id="rId25"/>
+      <p:bold r:id="rId26"/>
+      <p:italic r:id="rId27"/>
+      <p:boldItalic r:id="rId28"/>
+    </p:embeddedFont>
+    <p:embeddedFont>
       <p:font typeface="Acumin Pro Medium" panose="020B0604020202020204" charset="0"/>
-      <p:regular r:id="rId21"/>
-      <p:italic r:id="rId22"/>
+      <p:regular r:id="rId29"/>
+      <p:italic r:id="rId30"/>
     </p:embeddedFont>
     <p:embeddedFont>
       <p:font typeface="Acumin Pro Semibold" panose="020B0604020202020204" charset="0"/>
-      <p:regular r:id="rId23"/>
-      <p:bold r:id="rId24"/>
-      <p:italic r:id="rId25"/>
-      <p:boldItalic r:id="rId26"/>
-    </p:embeddedFont>
-    <p:embeddedFont>
-      <p:font typeface="Acumin Pro SemiCondensed" panose="020B0604020202020204" charset="0"/>
-      <p:regular r:id="rId27"/>
-      <p:bold r:id="rId28"/>
-      <p:italic r:id="rId29"/>
-      <p:boldItalic r:id="rId30"/>
-    </p:embeddedFont>
-    <p:embeddedFont>
-      <p:font typeface="Calibri" panose="020F0502020204030204" pitchFamily="34" charset="0"/>
       <p:regular r:id="rId31"/>
       <p:bold r:id="rId32"/>
       <p:italic r:id="rId33"/>
       <p:boldItalic r:id="rId34"/>
     </p:embeddedFont>
     <p:embeddedFont>
+      <p:font typeface="Acumin Pro SemiCondensed" panose="020B0604020202020204" charset="0"/>
+      <p:regular r:id="rId35"/>
+      <p:bold r:id="rId36"/>
+      <p:italic r:id="rId37"/>
+      <p:boldItalic r:id="rId38"/>
+    </p:embeddedFont>
+    <p:embeddedFont>
+      <p:font typeface="Calibri" panose="020F0502020204030204" pitchFamily="34" charset="0"/>
+      <p:regular r:id="rId39"/>
+      <p:bold r:id="rId40"/>
+      <p:italic r:id="rId41"/>
+      <p:boldItalic r:id="rId42"/>
+    </p:embeddedFont>
+    <p:embeddedFont>
       <p:font typeface="United Sans Cd Md" charset="0"/>
-      <p:regular r:id="rId35"/>
+      <p:regular r:id="rId43"/>
     </p:embeddedFont>
     <p:embeddedFont>
       <p:font typeface="United Sans Reg Medium" panose="020B0604020202020204" charset="0"/>
-      <p:regular r:id="rId36"/>
+      <p:regular r:id="rId44"/>
     </p:embeddedFont>
   </p:embeddedFontLst>
   <p:defaultTextStyle>
@@ -804,6 +812,342 @@
 </p:notes>
 </file>
 
+<file path=ppt/notesSlides/notesSlide10.xml><?xml version="1.0" encoding="utf-8"?>
+<p:notes xmlns:a="http://schemas.openxmlformats.org/drawingml/2006/main" xmlns:r="http://schemas.openxmlformats.org/officeDocument/2006/relationships" xmlns:p="http://schemas.openxmlformats.org/presentationml/2006/main">
+  <p:cSld>
+    <p:spTree>
+      <p:nvGrpSpPr>
+        <p:cNvPr id="1" name=""/>
+        <p:cNvGrpSpPr/>
+        <p:nvPr/>
+      </p:nvGrpSpPr>
+      <p:grpSpPr>
+        <a:xfrm>
+          <a:off x="0" y="0"/>
+          <a:ext cx="0" cy="0"/>
+          <a:chOff x="0" y="0"/>
+          <a:chExt cx="0" cy="0"/>
+        </a:xfrm>
+      </p:grpSpPr>
+      <p:sp>
+        <p:nvSpPr>
+          <p:cNvPr id="2" name="Slide Image Placeholder 1"/>
+          <p:cNvSpPr>
+            <a:spLocks noGrp="1" noRot="1" noChangeAspect="1"/>
+          </p:cNvSpPr>
+          <p:nvPr>
+            <p:ph type="sldImg"/>
+          </p:nvPr>
+        </p:nvSpPr>
+        <p:spPr/>
+      </p:sp>
+      <p:sp>
+        <p:nvSpPr>
+          <p:cNvPr id="3" name="Notes Placeholder 2"/>
+          <p:cNvSpPr>
+            <a:spLocks noGrp="1"/>
+          </p:cNvSpPr>
+          <p:nvPr>
+            <p:ph type="body" idx="1"/>
+          </p:nvPr>
+        </p:nvSpPr>
+        <p:spPr/>
+        <p:txBody>
+          <a:bodyPr/>
+          <a:lstStyle/>
+          <a:p>
+            <a:endParaRPr lang="en-US"/>
+          </a:p>
+        </p:txBody>
+      </p:sp>
+      <p:sp>
+        <p:nvSpPr>
+          <p:cNvPr id="4" name="Slide Number Placeholder 3"/>
+          <p:cNvSpPr>
+            <a:spLocks noGrp="1"/>
+          </p:cNvSpPr>
+          <p:nvPr>
+            <p:ph type="sldNum" sz="quarter" idx="5"/>
+          </p:nvPr>
+        </p:nvSpPr>
+        <p:spPr/>
+        <p:txBody>
+          <a:bodyPr/>
+          <a:lstStyle/>
+          <a:p>
+            <a:fld id="{37C63BD6-9A76-3E42-9DF3-1D28BC75B5C8}" type="slidenum">
+              <a:rPr lang="en-US" smtClean="0"/>
+              <a:t>10</a:t>
+            </a:fld>
+            <a:endParaRPr lang="en-US"/>
+          </a:p>
+        </p:txBody>
+      </p:sp>
+    </p:spTree>
+    <p:extLst>
+      <p:ext uri="{BB962C8B-B14F-4D97-AF65-F5344CB8AC3E}">
+        <p14:creationId xmlns:p14="http://schemas.microsoft.com/office/powerpoint/2010/main" val="2916716094"/>
+      </p:ext>
+    </p:extLst>
+  </p:cSld>
+  <p:clrMapOvr>
+    <a:masterClrMapping/>
+  </p:clrMapOvr>
+</p:notes>
+</file>
+
+<file path=ppt/notesSlides/notesSlide11.xml><?xml version="1.0" encoding="utf-8"?>
+<p:notes xmlns:a="http://schemas.openxmlformats.org/drawingml/2006/main" xmlns:r="http://schemas.openxmlformats.org/officeDocument/2006/relationships" xmlns:p="http://schemas.openxmlformats.org/presentationml/2006/main">
+  <p:cSld>
+    <p:spTree>
+      <p:nvGrpSpPr>
+        <p:cNvPr id="1" name=""/>
+        <p:cNvGrpSpPr/>
+        <p:nvPr/>
+      </p:nvGrpSpPr>
+      <p:grpSpPr>
+        <a:xfrm>
+          <a:off x="0" y="0"/>
+          <a:ext cx="0" cy="0"/>
+          <a:chOff x="0" y="0"/>
+          <a:chExt cx="0" cy="0"/>
+        </a:xfrm>
+      </p:grpSpPr>
+      <p:sp>
+        <p:nvSpPr>
+          <p:cNvPr id="2" name="Slide Image Placeholder 1"/>
+          <p:cNvSpPr>
+            <a:spLocks noGrp="1" noRot="1" noChangeAspect="1"/>
+          </p:cNvSpPr>
+          <p:nvPr>
+            <p:ph type="sldImg"/>
+          </p:nvPr>
+        </p:nvSpPr>
+        <p:spPr/>
+      </p:sp>
+      <p:sp>
+        <p:nvSpPr>
+          <p:cNvPr id="3" name="Notes Placeholder 2"/>
+          <p:cNvSpPr>
+            <a:spLocks noGrp="1"/>
+          </p:cNvSpPr>
+          <p:nvPr>
+            <p:ph type="body" idx="1"/>
+          </p:nvPr>
+        </p:nvSpPr>
+        <p:spPr/>
+        <p:txBody>
+          <a:bodyPr/>
+          <a:lstStyle/>
+          <a:p>
+            <a:endParaRPr lang="en-US"/>
+          </a:p>
+        </p:txBody>
+      </p:sp>
+      <p:sp>
+        <p:nvSpPr>
+          <p:cNvPr id="4" name="Slide Number Placeholder 3"/>
+          <p:cNvSpPr>
+            <a:spLocks noGrp="1"/>
+          </p:cNvSpPr>
+          <p:nvPr>
+            <p:ph type="sldNum" sz="quarter" idx="5"/>
+          </p:nvPr>
+        </p:nvSpPr>
+        <p:spPr/>
+        <p:txBody>
+          <a:bodyPr/>
+          <a:lstStyle/>
+          <a:p>
+            <a:fld id="{37C63BD6-9A76-3E42-9DF3-1D28BC75B5C8}" type="slidenum">
+              <a:rPr lang="en-US" smtClean="0"/>
+              <a:t>11</a:t>
+            </a:fld>
+            <a:endParaRPr lang="en-US"/>
+          </a:p>
+        </p:txBody>
+      </p:sp>
+    </p:spTree>
+    <p:extLst>
+      <p:ext uri="{BB962C8B-B14F-4D97-AF65-F5344CB8AC3E}">
+        <p14:creationId xmlns:p14="http://schemas.microsoft.com/office/powerpoint/2010/main" val="1320975493"/>
+      </p:ext>
+    </p:extLst>
+  </p:cSld>
+  <p:clrMapOvr>
+    <a:masterClrMapping/>
+  </p:clrMapOvr>
+</p:notes>
+</file>
+
+<file path=ppt/notesSlides/notesSlide12.xml><?xml version="1.0" encoding="utf-8"?>
+<p:notes xmlns:a="http://schemas.openxmlformats.org/drawingml/2006/main" xmlns:r="http://schemas.openxmlformats.org/officeDocument/2006/relationships" xmlns:p="http://schemas.openxmlformats.org/presentationml/2006/main">
+  <p:cSld>
+    <p:spTree>
+      <p:nvGrpSpPr>
+        <p:cNvPr id="1" name=""/>
+        <p:cNvGrpSpPr/>
+        <p:nvPr/>
+      </p:nvGrpSpPr>
+      <p:grpSpPr>
+        <a:xfrm>
+          <a:off x="0" y="0"/>
+          <a:ext cx="0" cy="0"/>
+          <a:chOff x="0" y="0"/>
+          <a:chExt cx="0" cy="0"/>
+        </a:xfrm>
+      </p:grpSpPr>
+      <p:sp>
+        <p:nvSpPr>
+          <p:cNvPr id="2" name="Slide Image Placeholder 1"/>
+          <p:cNvSpPr>
+            <a:spLocks noGrp="1" noRot="1" noChangeAspect="1"/>
+          </p:cNvSpPr>
+          <p:nvPr>
+            <p:ph type="sldImg"/>
+          </p:nvPr>
+        </p:nvSpPr>
+        <p:spPr/>
+      </p:sp>
+      <p:sp>
+        <p:nvSpPr>
+          <p:cNvPr id="3" name="Notes Placeholder 2"/>
+          <p:cNvSpPr>
+            <a:spLocks noGrp="1"/>
+          </p:cNvSpPr>
+          <p:nvPr>
+            <p:ph type="body" idx="1"/>
+          </p:nvPr>
+        </p:nvSpPr>
+        <p:spPr/>
+        <p:txBody>
+          <a:bodyPr/>
+          <a:lstStyle/>
+          <a:p>
+            <a:endParaRPr lang="en-US" dirty="0"/>
+          </a:p>
+        </p:txBody>
+      </p:sp>
+      <p:sp>
+        <p:nvSpPr>
+          <p:cNvPr id="4" name="Slide Number Placeholder 3"/>
+          <p:cNvSpPr>
+            <a:spLocks noGrp="1"/>
+          </p:cNvSpPr>
+          <p:nvPr>
+            <p:ph type="sldNum" sz="quarter" idx="5"/>
+          </p:nvPr>
+        </p:nvSpPr>
+        <p:spPr/>
+        <p:txBody>
+          <a:bodyPr/>
+          <a:lstStyle/>
+          <a:p>
+            <a:fld id="{37C63BD6-9A76-3E42-9DF3-1D28BC75B5C8}" type="slidenum">
+              <a:rPr lang="en-US" smtClean="0"/>
+              <a:t>12</a:t>
+            </a:fld>
+            <a:endParaRPr lang="en-US"/>
+          </a:p>
+        </p:txBody>
+      </p:sp>
+    </p:spTree>
+    <p:extLst>
+      <p:ext uri="{BB962C8B-B14F-4D97-AF65-F5344CB8AC3E}">
+        <p14:creationId xmlns:p14="http://schemas.microsoft.com/office/powerpoint/2010/main" val="2559612957"/>
+      </p:ext>
+    </p:extLst>
+  </p:cSld>
+  <p:clrMapOvr>
+    <a:masterClrMapping/>
+  </p:clrMapOvr>
+</p:notes>
+</file>
+
+<file path=ppt/notesSlides/notesSlide13.xml><?xml version="1.0" encoding="utf-8"?>
+<p:notes xmlns:a="http://schemas.openxmlformats.org/drawingml/2006/main" xmlns:r="http://schemas.openxmlformats.org/officeDocument/2006/relationships" xmlns:p="http://schemas.openxmlformats.org/presentationml/2006/main">
+  <p:cSld>
+    <p:spTree>
+      <p:nvGrpSpPr>
+        <p:cNvPr id="1" name=""/>
+        <p:cNvGrpSpPr/>
+        <p:nvPr/>
+      </p:nvGrpSpPr>
+      <p:grpSpPr>
+        <a:xfrm>
+          <a:off x="0" y="0"/>
+          <a:ext cx="0" cy="0"/>
+          <a:chOff x="0" y="0"/>
+          <a:chExt cx="0" cy="0"/>
+        </a:xfrm>
+      </p:grpSpPr>
+      <p:sp>
+        <p:nvSpPr>
+          <p:cNvPr id="2" name="Slide Image Placeholder 1"/>
+          <p:cNvSpPr>
+            <a:spLocks noGrp="1" noRot="1" noChangeAspect="1"/>
+          </p:cNvSpPr>
+          <p:nvPr>
+            <p:ph type="sldImg"/>
+          </p:nvPr>
+        </p:nvSpPr>
+        <p:spPr/>
+      </p:sp>
+      <p:sp>
+        <p:nvSpPr>
+          <p:cNvPr id="3" name="Notes Placeholder 2"/>
+          <p:cNvSpPr>
+            <a:spLocks noGrp="1"/>
+          </p:cNvSpPr>
+          <p:nvPr>
+            <p:ph type="body" idx="1"/>
+          </p:nvPr>
+        </p:nvSpPr>
+        <p:spPr/>
+        <p:txBody>
+          <a:bodyPr/>
+          <a:lstStyle/>
+          <a:p>
+            <a:endParaRPr lang="en-US"/>
+          </a:p>
+        </p:txBody>
+      </p:sp>
+      <p:sp>
+        <p:nvSpPr>
+          <p:cNvPr id="4" name="Slide Number Placeholder 3"/>
+          <p:cNvSpPr>
+            <a:spLocks noGrp="1"/>
+          </p:cNvSpPr>
+          <p:nvPr>
+            <p:ph type="sldNum" sz="quarter" idx="5"/>
+          </p:nvPr>
+        </p:nvSpPr>
+        <p:spPr/>
+        <p:txBody>
+          <a:bodyPr/>
+          <a:lstStyle/>
+          <a:p>
+            <a:fld id="{37C63BD6-9A76-3E42-9DF3-1D28BC75B5C8}" type="slidenum">
+              <a:rPr lang="en-US" smtClean="0"/>
+              <a:t>13</a:t>
+            </a:fld>
+            <a:endParaRPr lang="en-US"/>
+          </a:p>
+        </p:txBody>
+      </p:sp>
+    </p:spTree>
+    <p:extLst>
+      <p:ext uri="{BB962C8B-B14F-4D97-AF65-F5344CB8AC3E}">
+        <p14:creationId xmlns:p14="http://schemas.microsoft.com/office/powerpoint/2010/main" val="4023572119"/>
+      </p:ext>
+    </p:extLst>
+  </p:cSld>
+  <p:clrMapOvr>
+    <a:masterClrMapping/>
+  </p:clrMapOvr>
+</p:notes>
+</file>
+
 <file path=ppt/notesSlides/notesSlide2.xml><?xml version="1.0" encoding="utf-8"?>
 <p:notes xmlns:a="http://schemas.openxmlformats.org/drawingml/2006/main" xmlns:r="http://schemas.openxmlformats.org/officeDocument/2006/relationships" xmlns:p="http://schemas.openxmlformats.org/presentationml/2006/main">
   <p:cSld>
@@ -1046,7 +1390,7 @@
     </p:spTree>
     <p:extLst>
       <p:ext uri="{BB962C8B-B14F-4D97-AF65-F5344CB8AC3E}">
-        <p14:creationId xmlns:p14="http://schemas.microsoft.com/office/powerpoint/2010/main" val="4023572119"/>
+        <p14:creationId xmlns:p14="http://schemas.microsoft.com/office/powerpoint/2010/main" val="2715574196"/>
       </p:ext>
     </p:extLst>
   </p:cSld>
@@ -1100,7 +1444,7 @@
           <a:bodyPr/>
           <a:lstStyle/>
           <a:p>
-            <a:endParaRPr lang="en-US" dirty="0"/>
+            <a:endParaRPr lang="en-US"/>
           </a:p>
         </p:txBody>
       </p:sp>
@@ -1130,7 +1474,343 @@
     </p:spTree>
     <p:extLst>
       <p:ext uri="{BB962C8B-B14F-4D97-AF65-F5344CB8AC3E}">
-        <p14:creationId xmlns:p14="http://schemas.microsoft.com/office/powerpoint/2010/main" val="2559612957"/>
+        <p14:creationId xmlns:p14="http://schemas.microsoft.com/office/powerpoint/2010/main" val="3284358286"/>
+      </p:ext>
+    </p:extLst>
+  </p:cSld>
+  <p:clrMapOvr>
+    <a:masterClrMapping/>
+  </p:clrMapOvr>
+</p:notes>
+</file>
+
+<file path=ppt/notesSlides/notesSlide6.xml><?xml version="1.0" encoding="utf-8"?>
+<p:notes xmlns:a="http://schemas.openxmlformats.org/drawingml/2006/main" xmlns:r="http://schemas.openxmlformats.org/officeDocument/2006/relationships" xmlns:p="http://schemas.openxmlformats.org/presentationml/2006/main">
+  <p:cSld>
+    <p:spTree>
+      <p:nvGrpSpPr>
+        <p:cNvPr id="1" name=""/>
+        <p:cNvGrpSpPr/>
+        <p:nvPr/>
+      </p:nvGrpSpPr>
+      <p:grpSpPr>
+        <a:xfrm>
+          <a:off x="0" y="0"/>
+          <a:ext cx="0" cy="0"/>
+          <a:chOff x="0" y="0"/>
+          <a:chExt cx="0" cy="0"/>
+        </a:xfrm>
+      </p:grpSpPr>
+      <p:sp>
+        <p:nvSpPr>
+          <p:cNvPr id="2" name="Slide Image Placeholder 1"/>
+          <p:cNvSpPr>
+            <a:spLocks noGrp="1" noRot="1" noChangeAspect="1"/>
+          </p:cNvSpPr>
+          <p:nvPr>
+            <p:ph type="sldImg"/>
+          </p:nvPr>
+        </p:nvSpPr>
+        <p:spPr/>
+      </p:sp>
+      <p:sp>
+        <p:nvSpPr>
+          <p:cNvPr id="3" name="Notes Placeholder 2"/>
+          <p:cNvSpPr>
+            <a:spLocks noGrp="1"/>
+          </p:cNvSpPr>
+          <p:nvPr>
+            <p:ph type="body" idx="1"/>
+          </p:nvPr>
+        </p:nvSpPr>
+        <p:spPr/>
+        <p:txBody>
+          <a:bodyPr/>
+          <a:lstStyle/>
+          <a:p>
+            <a:endParaRPr lang="en-US"/>
+          </a:p>
+        </p:txBody>
+      </p:sp>
+      <p:sp>
+        <p:nvSpPr>
+          <p:cNvPr id="4" name="Slide Number Placeholder 3"/>
+          <p:cNvSpPr>
+            <a:spLocks noGrp="1"/>
+          </p:cNvSpPr>
+          <p:nvPr>
+            <p:ph type="sldNum" sz="quarter" idx="5"/>
+          </p:nvPr>
+        </p:nvSpPr>
+        <p:spPr/>
+        <p:txBody>
+          <a:bodyPr/>
+          <a:lstStyle/>
+          <a:p>
+            <a:fld id="{37C63BD6-9A76-3E42-9DF3-1D28BC75B5C8}" type="slidenum">
+              <a:rPr lang="en-US" smtClean="0"/>
+              <a:t>6</a:t>
+            </a:fld>
+            <a:endParaRPr lang="en-US"/>
+          </a:p>
+        </p:txBody>
+      </p:sp>
+    </p:spTree>
+    <p:extLst>
+      <p:ext uri="{BB962C8B-B14F-4D97-AF65-F5344CB8AC3E}">
+        <p14:creationId xmlns:p14="http://schemas.microsoft.com/office/powerpoint/2010/main" val="493373200"/>
+      </p:ext>
+    </p:extLst>
+  </p:cSld>
+  <p:clrMapOvr>
+    <a:masterClrMapping/>
+  </p:clrMapOvr>
+</p:notes>
+</file>
+
+<file path=ppt/notesSlides/notesSlide7.xml><?xml version="1.0" encoding="utf-8"?>
+<p:notes xmlns:a="http://schemas.openxmlformats.org/drawingml/2006/main" xmlns:r="http://schemas.openxmlformats.org/officeDocument/2006/relationships" xmlns:p="http://schemas.openxmlformats.org/presentationml/2006/main">
+  <p:cSld>
+    <p:spTree>
+      <p:nvGrpSpPr>
+        <p:cNvPr id="1" name=""/>
+        <p:cNvGrpSpPr/>
+        <p:nvPr/>
+      </p:nvGrpSpPr>
+      <p:grpSpPr>
+        <a:xfrm>
+          <a:off x="0" y="0"/>
+          <a:ext cx="0" cy="0"/>
+          <a:chOff x="0" y="0"/>
+          <a:chExt cx="0" cy="0"/>
+        </a:xfrm>
+      </p:grpSpPr>
+      <p:sp>
+        <p:nvSpPr>
+          <p:cNvPr id="2" name="Slide Image Placeholder 1"/>
+          <p:cNvSpPr>
+            <a:spLocks noGrp="1" noRot="1" noChangeAspect="1"/>
+          </p:cNvSpPr>
+          <p:nvPr>
+            <p:ph type="sldImg"/>
+          </p:nvPr>
+        </p:nvSpPr>
+        <p:spPr/>
+      </p:sp>
+      <p:sp>
+        <p:nvSpPr>
+          <p:cNvPr id="3" name="Notes Placeholder 2"/>
+          <p:cNvSpPr>
+            <a:spLocks noGrp="1"/>
+          </p:cNvSpPr>
+          <p:nvPr>
+            <p:ph type="body" idx="1"/>
+          </p:nvPr>
+        </p:nvSpPr>
+        <p:spPr/>
+        <p:txBody>
+          <a:bodyPr/>
+          <a:lstStyle/>
+          <a:p>
+            <a:endParaRPr lang="en-US"/>
+          </a:p>
+        </p:txBody>
+      </p:sp>
+      <p:sp>
+        <p:nvSpPr>
+          <p:cNvPr id="4" name="Slide Number Placeholder 3"/>
+          <p:cNvSpPr>
+            <a:spLocks noGrp="1"/>
+          </p:cNvSpPr>
+          <p:nvPr>
+            <p:ph type="sldNum" sz="quarter" idx="5"/>
+          </p:nvPr>
+        </p:nvSpPr>
+        <p:spPr/>
+        <p:txBody>
+          <a:bodyPr/>
+          <a:lstStyle/>
+          <a:p>
+            <a:fld id="{37C63BD6-9A76-3E42-9DF3-1D28BC75B5C8}" type="slidenum">
+              <a:rPr lang="en-US" smtClean="0"/>
+              <a:t>7</a:t>
+            </a:fld>
+            <a:endParaRPr lang="en-US"/>
+          </a:p>
+        </p:txBody>
+      </p:sp>
+    </p:spTree>
+    <p:extLst>
+      <p:ext uri="{BB962C8B-B14F-4D97-AF65-F5344CB8AC3E}">
+        <p14:creationId xmlns:p14="http://schemas.microsoft.com/office/powerpoint/2010/main" val="296659211"/>
+      </p:ext>
+    </p:extLst>
+  </p:cSld>
+  <p:clrMapOvr>
+    <a:masterClrMapping/>
+  </p:clrMapOvr>
+</p:notes>
+</file>
+
+<file path=ppt/notesSlides/notesSlide8.xml><?xml version="1.0" encoding="utf-8"?>
+<p:notes xmlns:a="http://schemas.openxmlformats.org/drawingml/2006/main" xmlns:r="http://schemas.openxmlformats.org/officeDocument/2006/relationships" xmlns:p="http://schemas.openxmlformats.org/presentationml/2006/main">
+  <p:cSld>
+    <p:spTree>
+      <p:nvGrpSpPr>
+        <p:cNvPr id="1" name=""/>
+        <p:cNvGrpSpPr/>
+        <p:nvPr/>
+      </p:nvGrpSpPr>
+      <p:grpSpPr>
+        <a:xfrm>
+          <a:off x="0" y="0"/>
+          <a:ext cx="0" cy="0"/>
+          <a:chOff x="0" y="0"/>
+          <a:chExt cx="0" cy="0"/>
+        </a:xfrm>
+      </p:grpSpPr>
+      <p:sp>
+        <p:nvSpPr>
+          <p:cNvPr id="2" name="Slide Image Placeholder 1"/>
+          <p:cNvSpPr>
+            <a:spLocks noGrp="1" noRot="1" noChangeAspect="1"/>
+          </p:cNvSpPr>
+          <p:nvPr>
+            <p:ph type="sldImg"/>
+          </p:nvPr>
+        </p:nvSpPr>
+        <p:spPr/>
+      </p:sp>
+      <p:sp>
+        <p:nvSpPr>
+          <p:cNvPr id="3" name="Notes Placeholder 2"/>
+          <p:cNvSpPr>
+            <a:spLocks noGrp="1"/>
+          </p:cNvSpPr>
+          <p:nvPr>
+            <p:ph type="body" idx="1"/>
+          </p:nvPr>
+        </p:nvSpPr>
+        <p:spPr/>
+        <p:txBody>
+          <a:bodyPr/>
+          <a:lstStyle/>
+          <a:p>
+            <a:endParaRPr lang="en-US"/>
+          </a:p>
+        </p:txBody>
+      </p:sp>
+      <p:sp>
+        <p:nvSpPr>
+          <p:cNvPr id="4" name="Slide Number Placeholder 3"/>
+          <p:cNvSpPr>
+            <a:spLocks noGrp="1"/>
+          </p:cNvSpPr>
+          <p:nvPr>
+            <p:ph type="sldNum" sz="quarter" idx="5"/>
+          </p:nvPr>
+        </p:nvSpPr>
+        <p:spPr/>
+        <p:txBody>
+          <a:bodyPr/>
+          <a:lstStyle/>
+          <a:p>
+            <a:fld id="{37C63BD6-9A76-3E42-9DF3-1D28BC75B5C8}" type="slidenum">
+              <a:rPr lang="en-US" smtClean="0"/>
+              <a:t>8</a:t>
+            </a:fld>
+            <a:endParaRPr lang="en-US"/>
+          </a:p>
+        </p:txBody>
+      </p:sp>
+    </p:spTree>
+    <p:extLst>
+      <p:ext uri="{BB962C8B-B14F-4D97-AF65-F5344CB8AC3E}">
+        <p14:creationId xmlns:p14="http://schemas.microsoft.com/office/powerpoint/2010/main" val="2712050567"/>
+      </p:ext>
+    </p:extLst>
+  </p:cSld>
+  <p:clrMapOvr>
+    <a:masterClrMapping/>
+  </p:clrMapOvr>
+</p:notes>
+</file>
+
+<file path=ppt/notesSlides/notesSlide9.xml><?xml version="1.0" encoding="utf-8"?>
+<p:notes xmlns:a="http://schemas.openxmlformats.org/drawingml/2006/main" xmlns:r="http://schemas.openxmlformats.org/officeDocument/2006/relationships" xmlns:p="http://schemas.openxmlformats.org/presentationml/2006/main">
+  <p:cSld>
+    <p:spTree>
+      <p:nvGrpSpPr>
+        <p:cNvPr id="1" name=""/>
+        <p:cNvGrpSpPr/>
+        <p:nvPr/>
+      </p:nvGrpSpPr>
+      <p:grpSpPr>
+        <a:xfrm>
+          <a:off x="0" y="0"/>
+          <a:ext cx="0" cy="0"/>
+          <a:chOff x="0" y="0"/>
+          <a:chExt cx="0" cy="0"/>
+        </a:xfrm>
+      </p:grpSpPr>
+      <p:sp>
+        <p:nvSpPr>
+          <p:cNvPr id="2" name="Slide Image Placeholder 1"/>
+          <p:cNvSpPr>
+            <a:spLocks noGrp="1" noRot="1" noChangeAspect="1"/>
+          </p:cNvSpPr>
+          <p:nvPr>
+            <p:ph type="sldImg"/>
+          </p:nvPr>
+        </p:nvSpPr>
+        <p:spPr/>
+      </p:sp>
+      <p:sp>
+        <p:nvSpPr>
+          <p:cNvPr id="3" name="Notes Placeholder 2"/>
+          <p:cNvSpPr>
+            <a:spLocks noGrp="1"/>
+          </p:cNvSpPr>
+          <p:nvPr>
+            <p:ph type="body" idx="1"/>
+          </p:nvPr>
+        </p:nvSpPr>
+        <p:spPr/>
+        <p:txBody>
+          <a:bodyPr/>
+          <a:lstStyle/>
+          <a:p>
+            <a:endParaRPr lang="en-US"/>
+          </a:p>
+        </p:txBody>
+      </p:sp>
+      <p:sp>
+        <p:nvSpPr>
+          <p:cNvPr id="4" name="Slide Number Placeholder 3"/>
+          <p:cNvSpPr>
+            <a:spLocks noGrp="1"/>
+          </p:cNvSpPr>
+          <p:nvPr>
+            <p:ph type="sldNum" sz="quarter" idx="5"/>
+          </p:nvPr>
+        </p:nvSpPr>
+        <p:spPr/>
+        <p:txBody>
+          <a:bodyPr/>
+          <a:lstStyle/>
+          <a:p>
+            <a:fld id="{37C63BD6-9A76-3E42-9DF3-1D28BC75B5C8}" type="slidenum">
+              <a:rPr lang="en-US" smtClean="0"/>
+              <a:t>9</a:t>
+            </a:fld>
+            <a:endParaRPr lang="en-US"/>
+          </a:p>
+        </p:txBody>
+      </p:sp>
+    </p:spTree>
+    <p:extLst>
+      <p:ext uri="{BB962C8B-B14F-4D97-AF65-F5344CB8AC3E}">
+        <p14:creationId xmlns:p14="http://schemas.microsoft.com/office/powerpoint/2010/main" val="3077870599"/>
       </p:ext>
     </p:extLst>
   </p:cSld>
@@ -5459,6 +6139,855 @@
 </p:sld>
 </file>
 
+<file path=ppt/slides/slide10.xml><?xml version="1.0" encoding="utf-8"?>
+<p:sld xmlns:a="http://schemas.openxmlformats.org/drawingml/2006/main" xmlns:r="http://schemas.openxmlformats.org/officeDocument/2006/relationships" xmlns:p="http://schemas.openxmlformats.org/presentationml/2006/main">
+  <p:cSld>
+    <p:spTree>
+      <p:nvGrpSpPr>
+        <p:cNvPr id="1" name=""/>
+        <p:cNvGrpSpPr/>
+        <p:nvPr/>
+      </p:nvGrpSpPr>
+      <p:grpSpPr>
+        <a:xfrm>
+          <a:off x="0" y="0"/>
+          <a:ext cx="0" cy="0"/>
+          <a:chOff x="0" y="0"/>
+          <a:chExt cx="0" cy="0"/>
+        </a:xfrm>
+      </p:grpSpPr>
+      <p:sp>
+        <p:nvSpPr>
+          <p:cNvPr id="2" name="Title">
+            <a:extLst>
+              <a:ext uri="{FF2B5EF4-FFF2-40B4-BE49-F238E27FC236}">
+                <a16:creationId xmlns:a16="http://schemas.microsoft.com/office/drawing/2014/main" id="{4CA2D7D9-A500-2A47-82CF-D26789F6ABE1}"/>
+              </a:ext>
+            </a:extLst>
+          </p:cNvPr>
+          <p:cNvSpPr>
+            <a:spLocks noGrp="1"/>
+          </p:cNvSpPr>
+          <p:nvPr>
+            <p:ph type="ctrTitle"/>
+          </p:nvPr>
+        </p:nvSpPr>
+        <p:spPr/>
+        <p:txBody>
+          <a:bodyPr/>
+          <a:lstStyle/>
+          <a:p>
+            <a:r>
+              <a:rPr lang="en-US" dirty="0"/>
+              <a:t>Results Analysis</a:t>
+            </a:r>
+          </a:p>
+        </p:txBody>
+      </p:sp>
+      <p:sp>
+        <p:nvSpPr>
+          <p:cNvPr id="3" name="Subtitle">
+            <a:extLst>
+              <a:ext uri="{FF2B5EF4-FFF2-40B4-BE49-F238E27FC236}">
+                <a16:creationId xmlns:a16="http://schemas.microsoft.com/office/drawing/2014/main" id="{6A848514-8C09-474A-92D2-7BDFD34F716F}"/>
+              </a:ext>
+            </a:extLst>
+          </p:cNvPr>
+          <p:cNvSpPr>
+            <a:spLocks noGrp="1"/>
+          </p:cNvSpPr>
+          <p:nvPr>
+            <p:ph type="subTitle" idx="1"/>
+          </p:nvPr>
+        </p:nvSpPr>
+        <p:spPr>
+          <a:xfrm>
+            <a:off x="1043553" y="1345166"/>
+            <a:ext cx="7288495" cy="338554"/>
+          </a:xfrm>
+        </p:spPr>
+        <p:txBody>
+          <a:bodyPr/>
+          <a:lstStyle/>
+          <a:p>
+            <a:r>
+              <a:rPr lang="en-US" dirty="0"/>
+              <a:t>Subhead </a:t>
+            </a:r>
+            <a:r>
+              <a:rPr lang="en-US" dirty="0" err="1"/>
+              <a:t>Acumin</a:t>
+            </a:r>
+            <a:r>
+              <a:rPr lang="en-US" dirty="0"/>
+              <a:t> Pro Semi Cond Bold 22 </a:t>
+            </a:r>
+            <a:r>
+              <a:rPr lang="en-US" dirty="0" err="1"/>
+              <a:t>pt</a:t>
+            </a:r>
+            <a:endParaRPr lang="en-US" dirty="0"/>
+          </a:p>
+        </p:txBody>
+      </p:sp>
+      <p:sp>
+        <p:nvSpPr>
+          <p:cNvPr id="4" name="Body Text">
+            <a:extLst>
+              <a:ext uri="{FF2B5EF4-FFF2-40B4-BE49-F238E27FC236}">
+                <a16:creationId xmlns:a16="http://schemas.microsoft.com/office/drawing/2014/main" id="{DC145CD9-0814-B14D-AC00-49E2D2CE7D96}"/>
+              </a:ext>
+            </a:extLst>
+          </p:cNvPr>
+          <p:cNvSpPr>
+            <a:spLocks noGrp="1"/>
+          </p:cNvSpPr>
+          <p:nvPr>
+            <p:ph type="body" sz="quarter" idx="14"/>
+          </p:nvPr>
+        </p:nvSpPr>
+        <p:spPr/>
+        <p:txBody>
+          <a:bodyPr/>
+          <a:lstStyle/>
+          <a:p>
+            <a:pPr lvl="0"/>
+            <a:r>
+              <a:rPr lang="en-US" dirty="0"/>
+              <a:t>Bulleted copy. </a:t>
+            </a:r>
+            <a:r>
+              <a:rPr lang="en-US" dirty="0" err="1"/>
+              <a:t>Acumin</a:t>
+            </a:r>
+            <a:r>
+              <a:rPr lang="en-US" dirty="0"/>
+              <a:t> Pro Reg 18 pt. Keep it short with bite-size chunks of information.</a:t>
+            </a:r>
+          </a:p>
+          <a:p>
+            <a:pPr lvl="0"/>
+            <a:endParaRPr lang="en-US" dirty="0"/>
+          </a:p>
+          <a:p>
+            <a:pPr lvl="0"/>
+            <a:r>
+              <a:rPr lang="en-US" dirty="0"/>
+              <a:t>Bulleted copy. </a:t>
+            </a:r>
+            <a:r>
+              <a:rPr lang="en-US" dirty="0" err="1"/>
+              <a:t>Acumin</a:t>
+            </a:r>
+            <a:r>
+              <a:rPr lang="en-US" dirty="0"/>
+              <a:t> Pro Reg 18 pt. Keep it short with bite-size chunks of information.</a:t>
+            </a:r>
+          </a:p>
+          <a:p>
+            <a:pPr lvl="0"/>
+            <a:endParaRPr lang="en-US" dirty="0"/>
+          </a:p>
+          <a:p>
+            <a:pPr lvl="0">
+              <a:defRPr/>
+            </a:pPr>
+            <a:r>
+              <a:rPr lang="en-US" dirty="0"/>
+              <a:t>Bulleted copy. </a:t>
+            </a:r>
+            <a:r>
+              <a:rPr lang="en-US" dirty="0" err="1"/>
+              <a:t>Acumin</a:t>
+            </a:r>
+            <a:r>
+              <a:rPr lang="en-US" dirty="0"/>
+              <a:t> Pro Reg 18 pt. Keep it short with bite-size chunks of information.</a:t>
+            </a:r>
+          </a:p>
+        </p:txBody>
+      </p:sp>
+      <p:sp>
+        <p:nvSpPr>
+          <p:cNvPr id="5" name="Picture or Chart">
+            <a:extLst>
+              <a:ext uri="{FF2B5EF4-FFF2-40B4-BE49-F238E27FC236}">
+                <a16:creationId xmlns:a16="http://schemas.microsoft.com/office/drawing/2014/main" id="{70C0FC20-65BB-B945-B2BE-73D28F4D84FF}"/>
+              </a:ext>
+            </a:extLst>
+          </p:cNvPr>
+          <p:cNvSpPr>
+            <a:spLocks noGrp="1"/>
+          </p:cNvSpPr>
+          <p:nvPr>
+            <p:ph sz="quarter" idx="13"/>
+          </p:nvPr>
+        </p:nvSpPr>
+        <p:spPr>
+          <a:xfrm>
+            <a:off x="6912244" y="1920876"/>
+            <a:ext cx="4591333" cy="2982913"/>
+          </a:xfrm>
+        </p:spPr>
+        <p:txBody>
+          <a:bodyPr/>
+          <a:lstStyle/>
+          <a:p>
+            <a:endParaRPr lang="en-US" dirty="0"/>
+          </a:p>
+        </p:txBody>
+      </p:sp>
+      <p:sp>
+        <p:nvSpPr>
+          <p:cNvPr id="6" name="Date">
+            <a:extLst>
+              <a:ext uri="{FF2B5EF4-FFF2-40B4-BE49-F238E27FC236}">
+                <a16:creationId xmlns:a16="http://schemas.microsoft.com/office/drawing/2014/main" id="{21019431-9B99-5843-A9A4-0370000D39E2}"/>
+              </a:ext>
+            </a:extLst>
+          </p:cNvPr>
+          <p:cNvSpPr>
+            <a:spLocks noGrp="1"/>
+          </p:cNvSpPr>
+          <p:nvPr>
+            <p:ph type="dt" sz="half" idx="2"/>
+          </p:nvPr>
+        </p:nvSpPr>
+        <p:spPr/>
+        <p:txBody>
+          <a:bodyPr/>
+          <a:lstStyle/>
+          <a:p>
+            <a:fld id="{E0C8DACD-4E35-4E4C-AC75-C3DE50F04E7E}" type="datetime1">
+              <a:rPr lang="en-US" smtClean="0"/>
+              <a:pPr/>
+              <a:t>11/22/2021</a:t>
+            </a:fld>
+            <a:endParaRPr lang="en-US" dirty="0"/>
+          </a:p>
+        </p:txBody>
+      </p:sp>
+      <p:sp>
+        <p:nvSpPr>
+          <p:cNvPr id="7" name="Slide Number">
+            <a:extLst>
+              <a:ext uri="{FF2B5EF4-FFF2-40B4-BE49-F238E27FC236}">
+                <a16:creationId xmlns:a16="http://schemas.microsoft.com/office/drawing/2014/main" id="{361A6DE1-C3E0-2141-AA64-FC84F35B0648}"/>
+              </a:ext>
+            </a:extLst>
+          </p:cNvPr>
+          <p:cNvSpPr>
+            <a:spLocks noGrp="1"/>
+          </p:cNvSpPr>
+          <p:nvPr>
+            <p:ph type="sldNum" sz="quarter" idx="4"/>
+          </p:nvPr>
+        </p:nvSpPr>
+        <p:spPr/>
+        <p:txBody>
+          <a:bodyPr/>
+          <a:lstStyle/>
+          <a:p>
+            <a:fld id="{8A7A6979-0714-4377-B894-6BE4C2D6E202}" type="slidenum">
+              <a:rPr lang="en-US" smtClean="0"/>
+              <a:pPr/>
+              <a:t>10</a:t>
+            </a:fld>
+            <a:endParaRPr lang="en-US" dirty="0"/>
+          </a:p>
+        </p:txBody>
+      </p:sp>
+    </p:spTree>
+    <p:extLst>
+      <p:ext uri="{BB962C8B-B14F-4D97-AF65-F5344CB8AC3E}">
+        <p14:creationId xmlns:p14="http://schemas.microsoft.com/office/powerpoint/2010/main" val="3203484152"/>
+      </p:ext>
+    </p:extLst>
+  </p:cSld>
+  <p:clrMapOvr>
+    <a:masterClrMapping/>
+  </p:clrMapOvr>
+</p:sld>
+</file>
+
+<file path=ppt/slides/slide11.xml><?xml version="1.0" encoding="utf-8"?>
+<p:sld xmlns:a="http://schemas.openxmlformats.org/drawingml/2006/main" xmlns:r="http://schemas.openxmlformats.org/officeDocument/2006/relationships" xmlns:p="http://schemas.openxmlformats.org/presentationml/2006/main">
+  <p:cSld>
+    <p:spTree>
+      <p:nvGrpSpPr>
+        <p:cNvPr id="1" name=""/>
+        <p:cNvGrpSpPr/>
+        <p:nvPr/>
+      </p:nvGrpSpPr>
+      <p:grpSpPr>
+        <a:xfrm>
+          <a:off x="0" y="0"/>
+          <a:ext cx="0" cy="0"/>
+          <a:chOff x="0" y="0"/>
+          <a:chExt cx="0" cy="0"/>
+        </a:xfrm>
+      </p:grpSpPr>
+      <p:sp>
+        <p:nvSpPr>
+          <p:cNvPr id="2" name="Title">
+            <a:extLst>
+              <a:ext uri="{FF2B5EF4-FFF2-40B4-BE49-F238E27FC236}">
+                <a16:creationId xmlns:a16="http://schemas.microsoft.com/office/drawing/2014/main" id="{4CA2D7D9-A500-2A47-82CF-D26789F6ABE1}"/>
+              </a:ext>
+            </a:extLst>
+          </p:cNvPr>
+          <p:cNvSpPr>
+            <a:spLocks noGrp="1"/>
+          </p:cNvSpPr>
+          <p:nvPr>
+            <p:ph type="ctrTitle"/>
+          </p:nvPr>
+        </p:nvSpPr>
+        <p:spPr/>
+        <p:txBody>
+          <a:bodyPr/>
+          <a:lstStyle/>
+          <a:p>
+            <a:r>
+              <a:rPr lang="en-US" dirty="0"/>
+              <a:t>Summary</a:t>
+            </a:r>
+          </a:p>
+        </p:txBody>
+      </p:sp>
+      <p:sp>
+        <p:nvSpPr>
+          <p:cNvPr id="3" name="Subtitle">
+            <a:extLst>
+              <a:ext uri="{FF2B5EF4-FFF2-40B4-BE49-F238E27FC236}">
+                <a16:creationId xmlns:a16="http://schemas.microsoft.com/office/drawing/2014/main" id="{6A848514-8C09-474A-92D2-7BDFD34F716F}"/>
+              </a:ext>
+            </a:extLst>
+          </p:cNvPr>
+          <p:cNvSpPr>
+            <a:spLocks noGrp="1"/>
+          </p:cNvSpPr>
+          <p:nvPr>
+            <p:ph type="subTitle" idx="1"/>
+          </p:nvPr>
+        </p:nvSpPr>
+        <p:spPr>
+          <a:xfrm>
+            <a:off x="1043553" y="1345166"/>
+            <a:ext cx="7288495" cy="338554"/>
+          </a:xfrm>
+        </p:spPr>
+        <p:txBody>
+          <a:bodyPr/>
+          <a:lstStyle/>
+          <a:p>
+            <a:r>
+              <a:rPr lang="en-US" dirty="0"/>
+              <a:t>Subhead </a:t>
+            </a:r>
+            <a:r>
+              <a:rPr lang="en-US" dirty="0" err="1"/>
+              <a:t>Acumin</a:t>
+            </a:r>
+            <a:r>
+              <a:rPr lang="en-US" dirty="0"/>
+              <a:t> Pro Semi Cond Bold 22 </a:t>
+            </a:r>
+            <a:r>
+              <a:rPr lang="en-US" dirty="0" err="1"/>
+              <a:t>pt</a:t>
+            </a:r>
+            <a:endParaRPr lang="en-US" dirty="0"/>
+          </a:p>
+        </p:txBody>
+      </p:sp>
+      <p:sp>
+        <p:nvSpPr>
+          <p:cNvPr id="4" name="Body Text">
+            <a:extLst>
+              <a:ext uri="{FF2B5EF4-FFF2-40B4-BE49-F238E27FC236}">
+                <a16:creationId xmlns:a16="http://schemas.microsoft.com/office/drawing/2014/main" id="{DC145CD9-0814-B14D-AC00-49E2D2CE7D96}"/>
+              </a:ext>
+            </a:extLst>
+          </p:cNvPr>
+          <p:cNvSpPr>
+            <a:spLocks noGrp="1"/>
+          </p:cNvSpPr>
+          <p:nvPr>
+            <p:ph type="body" sz="quarter" idx="14"/>
+          </p:nvPr>
+        </p:nvSpPr>
+        <p:spPr/>
+        <p:txBody>
+          <a:bodyPr/>
+          <a:lstStyle/>
+          <a:p>
+            <a:pPr lvl="0"/>
+            <a:r>
+              <a:rPr lang="en-US" dirty="0"/>
+              <a:t>Bulleted copy. </a:t>
+            </a:r>
+            <a:r>
+              <a:rPr lang="en-US" dirty="0" err="1"/>
+              <a:t>Acumin</a:t>
+            </a:r>
+            <a:r>
+              <a:rPr lang="en-US" dirty="0"/>
+              <a:t> Pro Reg 18 pt. Keep it short with bite-size chunks of information.</a:t>
+            </a:r>
+          </a:p>
+          <a:p>
+            <a:pPr lvl="0"/>
+            <a:endParaRPr lang="en-US" dirty="0"/>
+          </a:p>
+          <a:p>
+            <a:pPr lvl="0"/>
+            <a:r>
+              <a:rPr lang="en-US" dirty="0"/>
+              <a:t>Bulleted copy. </a:t>
+            </a:r>
+            <a:r>
+              <a:rPr lang="en-US" dirty="0" err="1"/>
+              <a:t>Acumin</a:t>
+            </a:r>
+            <a:r>
+              <a:rPr lang="en-US" dirty="0"/>
+              <a:t> Pro Reg 18 pt. Keep it short with bite-size chunks of information.</a:t>
+            </a:r>
+          </a:p>
+          <a:p>
+            <a:pPr lvl="0"/>
+            <a:endParaRPr lang="en-US" dirty="0"/>
+          </a:p>
+          <a:p>
+            <a:pPr lvl="0">
+              <a:defRPr/>
+            </a:pPr>
+            <a:r>
+              <a:rPr lang="en-US" dirty="0"/>
+              <a:t>Bulleted copy. </a:t>
+            </a:r>
+            <a:r>
+              <a:rPr lang="en-US" dirty="0" err="1"/>
+              <a:t>Acumin</a:t>
+            </a:r>
+            <a:r>
+              <a:rPr lang="en-US" dirty="0"/>
+              <a:t> Pro Reg 18 pt. Keep it short with bite-size chunks of information.</a:t>
+            </a:r>
+          </a:p>
+        </p:txBody>
+      </p:sp>
+      <p:sp>
+        <p:nvSpPr>
+          <p:cNvPr id="5" name="Picture or Chart">
+            <a:extLst>
+              <a:ext uri="{FF2B5EF4-FFF2-40B4-BE49-F238E27FC236}">
+                <a16:creationId xmlns:a16="http://schemas.microsoft.com/office/drawing/2014/main" id="{70C0FC20-65BB-B945-B2BE-73D28F4D84FF}"/>
+              </a:ext>
+            </a:extLst>
+          </p:cNvPr>
+          <p:cNvSpPr>
+            <a:spLocks noGrp="1"/>
+          </p:cNvSpPr>
+          <p:nvPr>
+            <p:ph sz="quarter" idx="13"/>
+          </p:nvPr>
+        </p:nvSpPr>
+        <p:spPr>
+          <a:xfrm>
+            <a:off x="6912244" y="1920876"/>
+            <a:ext cx="4591333" cy="2982913"/>
+          </a:xfrm>
+        </p:spPr>
+        <p:txBody>
+          <a:bodyPr/>
+          <a:lstStyle/>
+          <a:p>
+            <a:endParaRPr lang="en-US" dirty="0"/>
+          </a:p>
+        </p:txBody>
+      </p:sp>
+      <p:sp>
+        <p:nvSpPr>
+          <p:cNvPr id="6" name="Date">
+            <a:extLst>
+              <a:ext uri="{FF2B5EF4-FFF2-40B4-BE49-F238E27FC236}">
+                <a16:creationId xmlns:a16="http://schemas.microsoft.com/office/drawing/2014/main" id="{21019431-9B99-5843-A9A4-0370000D39E2}"/>
+              </a:ext>
+            </a:extLst>
+          </p:cNvPr>
+          <p:cNvSpPr>
+            <a:spLocks noGrp="1"/>
+          </p:cNvSpPr>
+          <p:nvPr>
+            <p:ph type="dt" sz="half" idx="2"/>
+          </p:nvPr>
+        </p:nvSpPr>
+        <p:spPr/>
+        <p:txBody>
+          <a:bodyPr/>
+          <a:lstStyle/>
+          <a:p>
+            <a:fld id="{E0C8DACD-4E35-4E4C-AC75-C3DE50F04E7E}" type="datetime1">
+              <a:rPr lang="en-US" smtClean="0"/>
+              <a:pPr/>
+              <a:t>11/22/2021</a:t>
+            </a:fld>
+            <a:endParaRPr lang="en-US" dirty="0"/>
+          </a:p>
+        </p:txBody>
+      </p:sp>
+      <p:sp>
+        <p:nvSpPr>
+          <p:cNvPr id="7" name="Slide Number">
+            <a:extLst>
+              <a:ext uri="{FF2B5EF4-FFF2-40B4-BE49-F238E27FC236}">
+                <a16:creationId xmlns:a16="http://schemas.microsoft.com/office/drawing/2014/main" id="{361A6DE1-C3E0-2141-AA64-FC84F35B0648}"/>
+              </a:ext>
+            </a:extLst>
+          </p:cNvPr>
+          <p:cNvSpPr>
+            <a:spLocks noGrp="1"/>
+          </p:cNvSpPr>
+          <p:nvPr>
+            <p:ph type="sldNum" sz="quarter" idx="4"/>
+          </p:nvPr>
+        </p:nvSpPr>
+        <p:spPr/>
+        <p:txBody>
+          <a:bodyPr/>
+          <a:lstStyle/>
+          <a:p>
+            <a:fld id="{8A7A6979-0714-4377-B894-6BE4C2D6E202}" type="slidenum">
+              <a:rPr lang="en-US" smtClean="0"/>
+              <a:pPr/>
+              <a:t>11</a:t>
+            </a:fld>
+            <a:endParaRPr lang="en-US" dirty="0"/>
+          </a:p>
+        </p:txBody>
+      </p:sp>
+    </p:spTree>
+    <p:extLst>
+      <p:ext uri="{BB962C8B-B14F-4D97-AF65-F5344CB8AC3E}">
+        <p14:creationId xmlns:p14="http://schemas.microsoft.com/office/powerpoint/2010/main" val="1230072872"/>
+      </p:ext>
+    </p:extLst>
+  </p:cSld>
+  <p:clrMapOvr>
+    <a:masterClrMapping/>
+  </p:clrMapOvr>
+</p:sld>
+</file>
+
+<file path=ppt/slides/slide12.xml><?xml version="1.0" encoding="utf-8"?>
+<p:sld xmlns:a="http://schemas.openxmlformats.org/drawingml/2006/main" xmlns:r="http://schemas.openxmlformats.org/officeDocument/2006/relationships" xmlns:p="http://schemas.openxmlformats.org/presentationml/2006/main">
+  <p:cSld>
+    <p:spTree>
+      <p:nvGrpSpPr>
+        <p:cNvPr id="1" name=""/>
+        <p:cNvGrpSpPr/>
+        <p:nvPr/>
+      </p:nvGrpSpPr>
+      <p:grpSpPr>
+        <a:xfrm>
+          <a:off x="0" y="0"/>
+          <a:ext cx="0" cy="0"/>
+          <a:chOff x="0" y="0"/>
+          <a:chExt cx="0" cy="0"/>
+        </a:xfrm>
+      </p:grpSpPr>
+      <p:sp>
+        <p:nvSpPr>
+          <p:cNvPr id="2" name="Title 1">
+            <a:extLst>
+              <a:ext uri="{FF2B5EF4-FFF2-40B4-BE49-F238E27FC236}">
+                <a16:creationId xmlns:a16="http://schemas.microsoft.com/office/drawing/2014/main" id="{03354486-2A6A-DD4E-9A8D-861B2E201A1F}"/>
+              </a:ext>
+            </a:extLst>
+          </p:cNvPr>
+          <p:cNvSpPr>
+            <a:spLocks noGrp="1"/>
+          </p:cNvSpPr>
+          <p:nvPr>
+            <p:ph type="ctrTitle"/>
+          </p:nvPr>
+        </p:nvSpPr>
+        <p:spPr/>
+        <p:txBody>
+          <a:bodyPr/>
+          <a:lstStyle/>
+          <a:p>
+            <a:r>
+              <a:rPr lang="en-US" dirty="0"/>
+              <a:t>Thank You</a:t>
+            </a:r>
+          </a:p>
+        </p:txBody>
+      </p:sp>
+      <p:sp>
+        <p:nvSpPr>
+          <p:cNvPr id="3" name="Text Placeholder 2">
+            <a:extLst>
+              <a:ext uri="{FF2B5EF4-FFF2-40B4-BE49-F238E27FC236}">
+                <a16:creationId xmlns:a16="http://schemas.microsoft.com/office/drawing/2014/main" id="{DDF1DEAD-BDC7-D142-97B9-9A0BD2570B44}"/>
+              </a:ext>
+            </a:extLst>
+          </p:cNvPr>
+          <p:cNvSpPr>
+            <a:spLocks noGrp="1"/>
+          </p:cNvSpPr>
+          <p:nvPr>
+            <p:ph type="body" sz="quarter" idx="14"/>
+          </p:nvPr>
+        </p:nvSpPr>
+        <p:spPr/>
+        <p:txBody>
+          <a:bodyPr/>
+          <a:lstStyle/>
+          <a:p>
+            <a:r>
+              <a:rPr lang="en-US" dirty="0"/>
+              <a:t>Conclusion, call to action or contact information. </a:t>
+            </a:r>
+            <a:r>
+              <a:rPr lang="en-US" dirty="0" err="1"/>
+              <a:t>Acumin</a:t>
+            </a:r>
+            <a:r>
+              <a:rPr lang="en-US" dirty="0"/>
+              <a:t> Pro Reg 18 pt. Keep it short with bite-size chunks of information.</a:t>
+            </a:r>
+          </a:p>
+        </p:txBody>
+      </p:sp>
+      <p:sp>
+        <p:nvSpPr>
+          <p:cNvPr id="4" name="Date Placeholder 3">
+            <a:extLst>
+              <a:ext uri="{FF2B5EF4-FFF2-40B4-BE49-F238E27FC236}">
+                <a16:creationId xmlns:a16="http://schemas.microsoft.com/office/drawing/2014/main" id="{0B04DDC6-A6C5-6D40-8160-BEDB0CF8C6DD}"/>
+              </a:ext>
+            </a:extLst>
+          </p:cNvPr>
+          <p:cNvSpPr>
+            <a:spLocks noGrp="1"/>
+          </p:cNvSpPr>
+          <p:nvPr>
+            <p:ph type="dt" sz="half" idx="10"/>
+          </p:nvPr>
+        </p:nvSpPr>
+        <p:spPr/>
+        <p:txBody>
+          <a:bodyPr/>
+          <a:lstStyle/>
+          <a:p>
+            <a:fld id="{049DC8E1-D369-0F48-9062-BB068AFD07CE}" type="datetime1">
+              <a:rPr lang="en-US" smtClean="0"/>
+              <a:pPr/>
+              <a:t>11/22/2021</a:t>
+            </a:fld>
+            <a:endParaRPr lang="en-US" dirty="0"/>
+          </a:p>
+        </p:txBody>
+      </p:sp>
+      <p:sp>
+        <p:nvSpPr>
+          <p:cNvPr id="5" name="Slide Number Placeholder 4">
+            <a:extLst>
+              <a:ext uri="{FF2B5EF4-FFF2-40B4-BE49-F238E27FC236}">
+                <a16:creationId xmlns:a16="http://schemas.microsoft.com/office/drawing/2014/main" id="{B05C2BE5-BF22-EF46-A621-4EB44D385B5E}"/>
+              </a:ext>
+            </a:extLst>
+          </p:cNvPr>
+          <p:cNvSpPr>
+            <a:spLocks noGrp="1"/>
+          </p:cNvSpPr>
+          <p:nvPr>
+            <p:ph type="sldNum" sz="quarter" idx="12"/>
+          </p:nvPr>
+        </p:nvSpPr>
+        <p:spPr/>
+        <p:txBody>
+          <a:bodyPr/>
+          <a:lstStyle/>
+          <a:p>
+            <a:fld id="{8A7A6979-0714-4377-B894-6BE4C2D6E202}" type="slidenum">
+              <a:rPr lang="en-US" smtClean="0"/>
+              <a:pPr/>
+              <a:t>12</a:t>
+            </a:fld>
+            <a:endParaRPr lang="en-US" dirty="0"/>
+          </a:p>
+        </p:txBody>
+      </p:sp>
+    </p:spTree>
+    <p:extLst>
+      <p:ext uri="{BB962C8B-B14F-4D97-AF65-F5344CB8AC3E}">
+        <p14:creationId xmlns:p14="http://schemas.microsoft.com/office/powerpoint/2010/main" val="688098976"/>
+      </p:ext>
+    </p:extLst>
+  </p:cSld>
+  <p:clrMapOvr>
+    <a:masterClrMapping/>
+  </p:clrMapOvr>
+</p:sld>
+</file>
+
+<file path=ppt/slides/slide13.xml><?xml version="1.0" encoding="utf-8"?>
+<p:sld xmlns:a="http://schemas.openxmlformats.org/drawingml/2006/main" xmlns:r="http://schemas.openxmlformats.org/officeDocument/2006/relationships" xmlns:p="http://schemas.openxmlformats.org/presentationml/2006/main">
+  <p:cSld>
+    <p:spTree>
+      <p:nvGrpSpPr>
+        <p:cNvPr id="1" name=""/>
+        <p:cNvGrpSpPr/>
+        <p:nvPr/>
+      </p:nvGrpSpPr>
+      <p:grpSpPr>
+        <a:xfrm>
+          <a:off x="0" y="0"/>
+          <a:ext cx="0" cy="0"/>
+          <a:chOff x="0" y="0"/>
+          <a:chExt cx="0" cy="0"/>
+        </a:xfrm>
+      </p:grpSpPr>
+      <p:sp>
+        <p:nvSpPr>
+          <p:cNvPr id="2" name="Picture" descr="Picture Description">
+            <a:extLst>
+              <a:ext uri="{FF2B5EF4-FFF2-40B4-BE49-F238E27FC236}">
+                <a16:creationId xmlns:a16="http://schemas.microsoft.com/office/drawing/2014/main" id="{743B5515-37CF-1841-9F7A-6E8E043F7E78}"/>
+              </a:ext>
+            </a:extLst>
+          </p:cNvPr>
+          <p:cNvSpPr>
+            <a:spLocks noGrp="1"/>
+          </p:cNvSpPr>
+          <p:nvPr>
+            <p:ph type="pic" sz="quarter" idx="13"/>
+          </p:nvPr>
+        </p:nvSpPr>
+        <p:spPr/>
+      </p:sp>
+      <p:sp>
+        <p:nvSpPr>
+          <p:cNvPr id="3" name="Photo Caption">
+            <a:extLst>
+              <a:ext uri="{FF2B5EF4-FFF2-40B4-BE49-F238E27FC236}">
+                <a16:creationId xmlns:a16="http://schemas.microsoft.com/office/drawing/2014/main" id="{4CB3860C-DEA2-CF4C-B2AF-2713BED0B87E}"/>
+              </a:ext>
+            </a:extLst>
+          </p:cNvPr>
+          <p:cNvSpPr>
+            <a:spLocks noGrp="1"/>
+          </p:cNvSpPr>
+          <p:nvPr>
+            <p:ph type="ctrTitle"/>
+          </p:nvPr>
+        </p:nvSpPr>
+        <p:spPr>
+          <a:xfrm>
+            <a:off x="1036449" y="304800"/>
+            <a:ext cx="3564215" cy="1004121"/>
+          </a:xfrm>
+        </p:spPr>
+        <p:txBody>
+          <a:bodyPr/>
+          <a:lstStyle/>
+          <a:p>
+            <a:r>
+              <a:rPr lang="en-US"/>
+              <a:t>(APPENDIX) Brief </a:t>
+            </a:r>
+            <a:r>
+              <a:rPr lang="en-US" dirty="0"/>
+              <a:t>photo caption. Place in top left or right corner. </a:t>
+            </a:r>
+            <a:r>
+              <a:rPr lang="en-US" dirty="0" err="1"/>
+              <a:t>Acumin</a:t>
+            </a:r>
+            <a:r>
+              <a:rPr lang="en-US" dirty="0"/>
+              <a:t> Pro Bold 18 pt. Make text black or white for legibility.</a:t>
+            </a:r>
+          </a:p>
+        </p:txBody>
+      </p:sp>
+      <p:sp>
+        <p:nvSpPr>
+          <p:cNvPr id="4" name="Date">
+            <a:extLst>
+              <a:ext uri="{FF2B5EF4-FFF2-40B4-BE49-F238E27FC236}">
+                <a16:creationId xmlns:a16="http://schemas.microsoft.com/office/drawing/2014/main" id="{6BC802ED-10E7-9B41-9557-720E7B79105A}"/>
+              </a:ext>
+            </a:extLst>
+          </p:cNvPr>
+          <p:cNvSpPr>
+            <a:spLocks noGrp="1"/>
+          </p:cNvSpPr>
+          <p:nvPr>
+            <p:ph type="dt" sz="half" idx="10"/>
+          </p:nvPr>
+        </p:nvSpPr>
+        <p:spPr/>
+        <p:txBody>
+          <a:bodyPr/>
+          <a:lstStyle/>
+          <a:p>
+            <a:fld id="{049DC8E1-D369-0F48-9062-BB068AFD07CE}" type="datetime1">
+              <a:rPr lang="en-US" smtClean="0"/>
+              <a:pPr/>
+              <a:t>11/22/2021</a:t>
+            </a:fld>
+            <a:endParaRPr lang="en-US" dirty="0"/>
+          </a:p>
+        </p:txBody>
+      </p:sp>
+      <p:sp>
+        <p:nvSpPr>
+          <p:cNvPr id="5" name="Slide Number">
+            <a:extLst>
+              <a:ext uri="{FF2B5EF4-FFF2-40B4-BE49-F238E27FC236}">
+                <a16:creationId xmlns:a16="http://schemas.microsoft.com/office/drawing/2014/main" id="{019CECEF-3D58-B441-9BA4-BF0327D61180}"/>
+              </a:ext>
+            </a:extLst>
+          </p:cNvPr>
+          <p:cNvSpPr>
+            <a:spLocks noGrp="1"/>
+          </p:cNvSpPr>
+          <p:nvPr>
+            <p:ph type="sldNum" sz="quarter" idx="12"/>
+          </p:nvPr>
+        </p:nvSpPr>
+        <p:spPr/>
+        <p:txBody>
+          <a:bodyPr/>
+          <a:lstStyle/>
+          <a:p>
+            <a:fld id="{8A7A6979-0714-4377-B894-6BE4C2D6E202}" type="slidenum">
+              <a:rPr lang="en-US" smtClean="0"/>
+              <a:pPr/>
+              <a:t>13</a:t>
+            </a:fld>
+            <a:endParaRPr lang="en-US" dirty="0"/>
+          </a:p>
+        </p:txBody>
+      </p:sp>
+    </p:spTree>
+    <p:extLst>
+      <p:ext uri="{BB962C8B-B14F-4D97-AF65-F5344CB8AC3E}">
+        <p14:creationId xmlns:p14="http://schemas.microsoft.com/office/powerpoint/2010/main" val="604482168"/>
+      </p:ext>
+    </p:extLst>
+  </p:cSld>
+  <p:clrMapOvr>
+    <a:masterClrMapping/>
+  </p:clrMapOvr>
+</p:sld>
+</file>
+
 <file path=ppt/slides/slide2.xml><?xml version="1.0" encoding="utf-8"?>
 <p:sld xmlns:a="http://schemas.openxmlformats.org/drawingml/2006/main" xmlns:r="http://schemas.openxmlformats.org/officeDocument/2006/relationships" xmlns:p="http://schemas.openxmlformats.org/presentationml/2006/main">
   <p:cSld>
@@ -6037,42 +7566,52 @@
       </p:grpSpPr>
       <p:sp>
         <p:nvSpPr>
-          <p:cNvPr id="2" name="Picture" descr="Picture Description">
-            <a:extLst>
-              <a:ext uri="{FF2B5EF4-FFF2-40B4-BE49-F238E27FC236}">
-                <a16:creationId xmlns:a16="http://schemas.microsoft.com/office/drawing/2014/main" id="{743B5515-37CF-1841-9F7A-6E8E043F7E78}"/>
-              </a:ext>
-            </a:extLst>
-          </p:cNvPr>
-          <p:cNvSpPr>
-            <a:spLocks noGrp="1"/>
-          </p:cNvSpPr>
-          <p:nvPr>
-            <p:ph type="pic" sz="quarter" idx="13"/>
+          <p:cNvPr id="2" name="Title">
+            <a:extLst>
+              <a:ext uri="{FF2B5EF4-FFF2-40B4-BE49-F238E27FC236}">
+                <a16:creationId xmlns:a16="http://schemas.microsoft.com/office/drawing/2014/main" id="{4CA2D7D9-A500-2A47-82CF-D26789F6ABE1}"/>
+              </a:ext>
+            </a:extLst>
+          </p:cNvPr>
+          <p:cNvSpPr>
+            <a:spLocks noGrp="1"/>
+          </p:cNvSpPr>
+          <p:nvPr>
+            <p:ph type="ctrTitle"/>
           </p:nvPr>
         </p:nvSpPr>
         <p:spPr/>
-      </p:sp>
-      <p:sp>
-        <p:nvSpPr>
-          <p:cNvPr id="3" name="Photo Caption">
-            <a:extLst>
-              <a:ext uri="{FF2B5EF4-FFF2-40B4-BE49-F238E27FC236}">
-                <a16:creationId xmlns:a16="http://schemas.microsoft.com/office/drawing/2014/main" id="{4CB3860C-DEA2-CF4C-B2AF-2713BED0B87E}"/>
-              </a:ext>
-            </a:extLst>
-          </p:cNvPr>
-          <p:cNvSpPr>
-            <a:spLocks noGrp="1"/>
-          </p:cNvSpPr>
-          <p:nvPr>
-            <p:ph type="ctrTitle"/>
+        <p:txBody>
+          <a:bodyPr/>
+          <a:lstStyle/>
+          <a:p>
+            <a:r>
+              <a:rPr lang="en-US" dirty="0"/>
+              <a:t>Introduction / Motivation</a:t>
+            </a:r>
+          </a:p>
+        </p:txBody>
+      </p:sp>
+      <p:sp>
+        <p:nvSpPr>
+          <p:cNvPr id="3" name="Subtitle">
+            <a:extLst>
+              <a:ext uri="{FF2B5EF4-FFF2-40B4-BE49-F238E27FC236}">
+                <a16:creationId xmlns:a16="http://schemas.microsoft.com/office/drawing/2014/main" id="{6A848514-8C09-474A-92D2-7BDFD34F716F}"/>
+              </a:ext>
+            </a:extLst>
+          </p:cNvPr>
+          <p:cNvSpPr>
+            <a:spLocks noGrp="1"/>
+          </p:cNvSpPr>
+          <p:nvPr>
+            <p:ph type="subTitle" idx="1"/>
           </p:nvPr>
         </p:nvSpPr>
         <p:spPr>
           <a:xfrm>
-            <a:off x="1036449" y="304800"/>
-            <a:ext cx="3564215" cy="1004121"/>
+            <a:off x="1043553" y="1345166"/>
+            <a:ext cx="7288495" cy="338554"/>
           </a:xfrm>
         </p:spPr>
         <p:txBody>
@@ -6081,7 +7620,7 @@
           <a:p>
             <a:r>
               <a:rPr lang="en-US" dirty="0"/>
-              <a:t>Brief photo caption. Place in top left or right corner. </a:t>
+              <a:t>Subhead </a:t>
             </a:r>
             <a:r>
               <a:rPr lang="en-US" dirty="0" err="1"/>
@@ -6089,25 +7628,30 @@
             </a:r>
             <a:r>
               <a:rPr lang="en-US" dirty="0"/>
-              <a:t> Pro Bold 18 pt. Make text black or white for legibility.</a:t>
-            </a:r>
-          </a:p>
-        </p:txBody>
-      </p:sp>
-      <p:sp>
-        <p:nvSpPr>
-          <p:cNvPr id="4" name="Date">
-            <a:extLst>
-              <a:ext uri="{FF2B5EF4-FFF2-40B4-BE49-F238E27FC236}">
-                <a16:creationId xmlns:a16="http://schemas.microsoft.com/office/drawing/2014/main" id="{6BC802ED-10E7-9B41-9557-720E7B79105A}"/>
-              </a:ext>
-            </a:extLst>
-          </p:cNvPr>
-          <p:cNvSpPr>
-            <a:spLocks noGrp="1"/>
-          </p:cNvSpPr>
-          <p:nvPr>
-            <p:ph type="dt" sz="half" idx="10"/>
+              <a:t> Pro Semi Cond Bold 22 </a:t>
+            </a:r>
+            <a:r>
+              <a:rPr lang="en-US" dirty="0" err="1"/>
+              <a:t>pt</a:t>
+            </a:r>
+            <a:endParaRPr lang="en-US" dirty="0"/>
+          </a:p>
+        </p:txBody>
+      </p:sp>
+      <p:sp>
+        <p:nvSpPr>
+          <p:cNvPr id="4" name="Body Text">
+            <a:extLst>
+              <a:ext uri="{FF2B5EF4-FFF2-40B4-BE49-F238E27FC236}">
+                <a16:creationId xmlns:a16="http://schemas.microsoft.com/office/drawing/2014/main" id="{DC145CD9-0814-B14D-AC00-49E2D2CE7D96}"/>
+              </a:ext>
+            </a:extLst>
+          </p:cNvPr>
+          <p:cNvSpPr>
+            <a:spLocks noGrp="1"/>
+          </p:cNvSpPr>
+          <p:nvPr>
+            <p:ph type="body" sz="quarter" idx="14"/>
           </p:nvPr>
         </p:nvSpPr>
         <p:spPr/>
@@ -6115,7 +7659,114 @@
           <a:bodyPr/>
           <a:lstStyle/>
           <a:p>
-            <a:fld id="{049DC8E1-D369-0F48-9062-BB068AFD07CE}" type="datetime1">
+            <a:pPr lvl="0"/>
+            <a:r>
+              <a:rPr lang="en-US" dirty="0"/>
+              <a:t>Bulleted copy. </a:t>
+            </a:r>
+            <a:r>
+              <a:rPr lang="en-US" dirty="0" err="1"/>
+              <a:t>Acumin</a:t>
+            </a:r>
+            <a:r>
+              <a:rPr lang="en-US" dirty="0"/>
+              <a:t> Pro Reg 18 pt. Keep it short with bite-size chunks of information.</a:t>
+            </a:r>
+          </a:p>
+          <a:p>
+            <a:pPr lvl="0"/>
+            <a:endParaRPr lang="en-US" dirty="0"/>
+          </a:p>
+          <a:p>
+            <a:pPr lvl="0"/>
+            <a:r>
+              <a:rPr lang="en-US" dirty="0"/>
+              <a:t>Bulleted copy. </a:t>
+            </a:r>
+            <a:r>
+              <a:rPr lang="en-US" dirty="0" err="1"/>
+              <a:t>Acumin</a:t>
+            </a:r>
+            <a:r>
+              <a:rPr lang="en-US" dirty="0"/>
+              <a:t> Pro Reg 18 pt. Keep it short with bite-size chunks of information.</a:t>
+            </a:r>
+          </a:p>
+          <a:p>
+            <a:pPr lvl="0"/>
+            <a:endParaRPr lang="en-US" dirty="0"/>
+          </a:p>
+          <a:p>
+            <a:pPr lvl="0">
+              <a:defRPr/>
+            </a:pPr>
+            <a:r>
+              <a:rPr lang="en-US" dirty="0"/>
+              <a:t>Bulleted copy. </a:t>
+            </a:r>
+            <a:r>
+              <a:rPr lang="en-US" dirty="0" err="1"/>
+              <a:t>Acumin</a:t>
+            </a:r>
+            <a:r>
+              <a:rPr lang="en-US" dirty="0"/>
+              <a:t> Pro Reg 18 pt. Keep it short with bite-size chunks of information.</a:t>
+            </a:r>
+          </a:p>
+        </p:txBody>
+      </p:sp>
+      <p:sp>
+        <p:nvSpPr>
+          <p:cNvPr id="5" name="Picture or Chart">
+            <a:extLst>
+              <a:ext uri="{FF2B5EF4-FFF2-40B4-BE49-F238E27FC236}">
+                <a16:creationId xmlns:a16="http://schemas.microsoft.com/office/drawing/2014/main" id="{70C0FC20-65BB-B945-B2BE-73D28F4D84FF}"/>
+              </a:ext>
+            </a:extLst>
+          </p:cNvPr>
+          <p:cNvSpPr>
+            <a:spLocks noGrp="1"/>
+          </p:cNvSpPr>
+          <p:nvPr>
+            <p:ph sz="quarter" idx="13"/>
+          </p:nvPr>
+        </p:nvSpPr>
+        <p:spPr>
+          <a:xfrm>
+            <a:off x="6912244" y="1920876"/>
+            <a:ext cx="4591333" cy="2982913"/>
+          </a:xfrm>
+        </p:spPr>
+        <p:txBody>
+          <a:bodyPr/>
+          <a:lstStyle/>
+          <a:p>
+            <a:endParaRPr lang="en-US" dirty="0"/>
+          </a:p>
+        </p:txBody>
+      </p:sp>
+      <p:sp>
+        <p:nvSpPr>
+          <p:cNvPr id="6" name="Date">
+            <a:extLst>
+              <a:ext uri="{FF2B5EF4-FFF2-40B4-BE49-F238E27FC236}">
+                <a16:creationId xmlns:a16="http://schemas.microsoft.com/office/drawing/2014/main" id="{21019431-9B99-5843-A9A4-0370000D39E2}"/>
+              </a:ext>
+            </a:extLst>
+          </p:cNvPr>
+          <p:cNvSpPr>
+            <a:spLocks noGrp="1"/>
+          </p:cNvSpPr>
+          <p:nvPr>
+            <p:ph type="dt" sz="half" idx="2"/>
+          </p:nvPr>
+        </p:nvSpPr>
+        <p:spPr/>
+        <p:txBody>
+          <a:bodyPr/>
+          <a:lstStyle/>
+          <a:p>
+            <a:fld id="{E0C8DACD-4E35-4E4C-AC75-C3DE50F04E7E}" type="datetime1">
               <a:rPr lang="en-US" smtClean="0"/>
               <a:pPr/>
               <a:t>11/22/2021</a:t>
@@ -6126,18 +7777,18 @@
       </p:sp>
       <p:sp>
         <p:nvSpPr>
-          <p:cNvPr id="5" name="Slide Number">
-            <a:extLst>
-              <a:ext uri="{FF2B5EF4-FFF2-40B4-BE49-F238E27FC236}">
-                <a16:creationId xmlns:a16="http://schemas.microsoft.com/office/drawing/2014/main" id="{019CECEF-3D58-B441-9BA4-BF0327D61180}"/>
-              </a:ext>
-            </a:extLst>
-          </p:cNvPr>
-          <p:cNvSpPr>
-            <a:spLocks noGrp="1"/>
-          </p:cNvSpPr>
-          <p:nvPr>
-            <p:ph type="sldNum" sz="quarter" idx="12"/>
+          <p:cNvPr id="7" name="Slide Number">
+            <a:extLst>
+              <a:ext uri="{FF2B5EF4-FFF2-40B4-BE49-F238E27FC236}">
+                <a16:creationId xmlns:a16="http://schemas.microsoft.com/office/drawing/2014/main" id="{361A6DE1-C3E0-2141-AA64-FC84F35B0648}"/>
+              </a:ext>
+            </a:extLst>
+          </p:cNvPr>
+          <p:cNvSpPr>
+            <a:spLocks noGrp="1"/>
+          </p:cNvSpPr>
+          <p:nvPr>
+            <p:ph type="sldNum" sz="quarter" idx="4"/>
           </p:nvPr>
         </p:nvSpPr>
         <p:spPr/>
@@ -6157,7 +7808,7 @@
     </p:spTree>
     <p:extLst>
       <p:ext uri="{BB962C8B-B14F-4D97-AF65-F5344CB8AC3E}">
-        <p14:creationId xmlns:p14="http://schemas.microsoft.com/office/powerpoint/2010/main" val="604482168"/>
+        <p14:creationId xmlns:p14="http://schemas.microsoft.com/office/powerpoint/2010/main" val="269134284"/>
       </p:ext>
     </p:extLst>
   </p:cSld>
@@ -6186,10 +7837,10 @@
       </p:grpSpPr>
       <p:sp>
         <p:nvSpPr>
-          <p:cNvPr id="2" name="Title 1">
-            <a:extLst>
-              <a:ext uri="{FF2B5EF4-FFF2-40B4-BE49-F238E27FC236}">
-                <a16:creationId xmlns:a16="http://schemas.microsoft.com/office/drawing/2014/main" id="{03354486-2A6A-DD4E-9A8D-861B2E201A1F}"/>
+          <p:cNvPr id="2" name="Title">
+            <a:extLst>
+              <a:ext uri="{FF2B5EF4-FFF2-40B4-BE49-F238E27FC236}">
+                <a16:creationId xmlns:a16="http://schemas.microsoft.com/office/drawing/2014/main" id="{4CA2D7D9-A500-2A47-82CF-D26789F6ABE1}"/>
               </a:ext>
             </a:extLst>
           </p:cNvPr>
@@ -6207,35 +7858,40 @@
           <a:p>
             <a:r>
               <a:rPr lang="en-US" dirty="0"/>
-              <a:t>Thank You</a:t>
-            </a:r>
-          </a:p>
-        </p:txBody>
-      </p:sp>
-      <p:sp>
-        <p:nvSpPr>
-          <p:cNvPr id="3" name="Text Placeholder 2">
-            <a:extLst>
-              <a:ext uri="{FF2B5EF4-FFF2-40B4-BE49-F238E27FC236}">
-                <a16:creationId xmlns:a16="http://schemas.microsoft.com/office/drawing/2014/main" id="{DDF1DEAD-BDC7-D142-97B9-9A0BD2570B44}"/>
-              </a:ext>
-            </a:extLst>
-          </p:cNvPr>
-          <p:cNvSpPr>
-            <a:spLocks noGrp="1"/>
-          </p:cNvSpPr>
-          <p:nvPr>
-            <p:ph type="body" sz="quarter" idx="14"/>
-          </p:nvPr>
-        </p:nvSpPr>
-        <p:spPr/>
-        <p:txBody>
-          <a:bodyPr/>
-          <a:lstStyle/>
-          <a:p>
-            <a:r>
-              <a:rPr lang="en-US" dirty="0"/>
-              <a:t>Conclusion, call to action or contact information. </a:t>
+              <a:t>Vehicle Model Description</a:t>
+            </a:r>
+          </a:p>
+        </p:txBody>
+      </p:sp>
+      <p:sp>
+        <p:nvSpPr>
+          <p:cNvPr id="3" name="Subtitle">
+            <a:extLst>
+              <a:ext uri="{FF2B5EF4-FFF2-40B4-BE49-F238E27FC236}">
+                <a16:creationId xmlns:a16="http://schemas.microsoft.com/office/drawing/2014/main" id="{6A848514-8C09-474A-92D2-7BDFD34F716F}"/>
+              </a:ext>
+            </a:extLst>
+          </p:cNvPr>
+          <p:cNvSpPr>
+            <a:spLocks noGrp="1"/>
+          </p:cNvSpPr>
+          <p:nvPr>
+            <p:ph type="subTitle" idx="1"/>
+          </p:nvPr>
+        </p:nvSpPr>
+        <p:spPr>
+          <a:xfrm>
+            <a:off x="1043553" y="1345166"/>
+            <a:ext cx="7288495" cy="338554"/>
+          </a:xfrm>
+        </p:spPr>
+        <p:txBody>
+          <a:bodyPr/>
+          <a:lstStyle/>
+          <a:p>
+            <a:r>
+              <a:rPr lang="en-US" dirty="0"/>
+              <a:t>Subhead </a:t>
             </a:r>
             <a:r>
               <a:rPr lang="en-US" dirty="0" err="1"/>
@@ -6243,25 +7899,137 @@
             </a:r>
             <a:r>
               <a:rPr lang="en-US" dirty="0"/>
+              <a:t> Pro Semi Cond Bold 22 </a:t>
+            </a:r>
+            <a:r>
+              <a:rPr lang="en-US" dirty="0" err="1"/>
+              <a:t>pt</a:t>
+            </a:r>
+            <a:endParaRPr lang="en-US" dirty="0"/>
+          </a:p>
+        </p:txBody>
+      </p:sp>
+      <p:sp>
+        <p:nvSpPr>
+          <p:cNvPr id="4" name="Body Text">
+            <a:extLst>
+              <a:ext uri="{FF2B5EF4-FFF2-40B4-BE49-F238E27FC236}">
+                <a16:creationId xmlns:a16="http://schemas.microsoft.com/office/drawing/2014/main" id="{DC145CD9-0814-B14D-AC00-49E2D2CE7D96}"/>
+              </a:ext>
+            </a:extLst>
+          </p:cNvPr>
+          <p:cNvSpPr>
+            <a:spLocks noGrp="1"/>
+          </p:cNvSpPr>
+          <p:nvPr>
+            <p:ph type="body" sz="quarter" idx="14"/>
+          </p:nvPr>
+        </p:nvSpPr>
+        <p:spPr/>
+        <p:txBody>
+          <a:bodyPr/>
+          <a:lstStyle/>
+          <a:p>
+            <a:pPr lvl="0"/>
+            <a:r>
+              <a:rPr lang="en-US" dirty="0"/>
+              <a:t>Bulleted copy. </a:t>
+            </a:r>
+            <a:r>
+              <a:rPr lang="en-US" dirty="0" err="1"/>
+              <a:t>Acumin</a:t>
+            </a:r>
+            <a:r>
+              <a:rPr lang="en-US" dirty="0"/>
               <a:t> Pro Reg 18 pt. Keep it short with bite-size chunks of information.</a:t>
             </a:r>
           </a:p>
-        </p:txBody>
-      </p:sp>
-      <p:sp>
-        <p:nvSpPr>
-          <p:cNvPr id="4" name="Date Placeholder 3">
-            <a:extLst>
-              <a:ext uri="{FF2B5EF4-FFF2-40B4-BE49-F238E27FC236}">
-                <a16:creationId xmlns:a16="http://schemas.microsoft.com/office/drawing/2014/main" id="{0B04DDC6-A6C5-6D40-8160-BEDB0CF8C6DD}"/>
-              </a:ext>
-            </a:extLst>
-          </p:cNvPr>
-          <p:cNvSpPr>
-            <a:spLocks noGrp="1"/>
-          </p:cNvSpPr>
-          <p:nvPr>
-            <p:ph type="dt" sz="half" idx="10"/>
+          <a:p>
+            <a:pPr lvl="0"/>
+            <a:endParaRPr lang="en-US" dirty="0"/>
+          </a:p>
+          <a:p>
+            <a:pPr lvl="0"/>
+            <a:r>
+              <a:rPr lang="en-US" dirty="0"/>
+              <a:t>Bulleted copy. </a:t>
+            </a:r>
+            <a:r>
+              <a:rPr lang="en-US" dirty="0" err="1"/>
+              <a:t>Acumin</a:t>
+            </a:r>
+            <a:r>
+              <a:rPr lang="en-US" dirty="0"/>
+              <a:t> Pro Reg 18 pt. Keep it short with bite-size chunks of information.</a:t>
+            </a:r>
+          </a:p>
+          <a:p>
+            <a:pPr lvl="0"/>
+            <a:endParaRPr lang="en-US" dirty="0"/>
+          </a:p>
+          <a:p>
+            <a:pPr lvl="0">
+              <a:defRPr/>
+            </a:pPr>
+            <a:r>
+              <a:rPr lang="en-US" dirty="0"/>
+              <a:t>Bulleted copy. </a:t>
+            </a:r>
+            <a:r>
+              <a:rPr lang="en-US" dirty="0" err="1"/>
+              <a:t>Acumin</a:t>
+            </a:r>
+            <a:r>
+              <a:rPr lang="en-US" dirty="0"/>
+              <a:t> Pro Reg 18 pt. Keep it short with bite-size chunks of information.</a:t>
+            </a:r>
+          </a:p>
+        </p:txBody>
+      </p:sp>
+      <p:sp>
+        <p:nvSpPr>
+          <p:cNvPr id="5" name="Picture or Chart">
+            <a:extLst>
+              <a:ext uri="{FF2B5EF4-FFF2-40B4-BE49-F238E27FC236}">
+                <a16:creationId xmlns:a16="http://schemas.microsoft.com/office/drawing/2014/main" id="{70C0FC20-65BB-B945-B2BE-73D28F4D84FF}"/>
+              </a:ext>
+            </a:extLst>
+          </p:cNvPr>
+          <p:cNvSpPr>
+            <a:spLocks noGrp="1"/>
+          </p:cNvSpPr>
+          <p:nvPr>
+            <p:ph sz="quarter" idx="13"/>
+          </p:nvPr>
+        </p:nvSpPr>
+        <p:spPr>
+          <a:xfrm>
+            <a:off x="6912244" y="1920876"/>
+            <a:ext cx="4591333" cy="2982913"/>
+          </a:xfrm>
+        </p:spPr>
+        <p:txBody>
+          <a:bodyPr/>
+          <a:lstStyle/>
+          <a:p>
+            <a:endParaRPr lang="en-US" dirty="0"/>
+          </a:p>
+        </p:txBody>
+      </p:sp>
+      <p:sp>
+        <p:nvSpPr>
+          <p:cNvPr id="6" name="Date">
+            <a:extLst>
+              <a:ext uri="{FF2B5EF4-FFF2-40B4-BE49-F238E27FC236}">
+                <a16:creationId xmlns:a16="http://schemas.microsoft.com/office/drawing/2014/main" id="{21019431-9B99-5843-A9A4-0370000D39E2}"/>
+              </a:ext>
+            </a:extLst>
+          </p:cNvPr>
+          <p:cNvSpPr>
+            <a:spLocks noGrp="1"/>
+          </p:cNvSpPr>
+          <p:nvPr>
+            <p:ph type="dt" sz="half" idx="2"/>
           </p:nvPr>
         </p:nvSpPr>
         <p:spPr/>
@@ -6269,7 +8037,7 @@
           <a:bodyPr/>
           <a:lstStyle/>
           <a:p>
-            <a:fld id="{049DC8E1-D369-0F48-9062-BB068AFD07CE}" type="datetime1">
+            <a:fld id="{E0C8DACD-4E35-4E4C-AC75-C3DE50F04E7E}" type="datetime1">
               <a:rPr lang="en-US" smtClean="0"/>
               <a:pPr/>
               <a:t>11/22/2021</a:t>
@@ -6280,18 +8048,18 @@
       </p:sp>
       <p:sp>
         <p:nvSpPr>
-          <p:cNvPr id="5" name="Slide Number Placeholder 4">
-            <a:extLst>
-              <a:ext uri="{FF2B5EF4-FFF2-40B4-BE49-F238E27FC236}">
-                <a16:creationId xmlns:a16="http://schemas.microsoft.com/office/drawing/2014/main" id="{B05C2BE5-BF22-EF46-A621-4EB44D385B5E}"/>
-              </a:ext>
-            </a:extLst>
-          </p:cNvPr>
-          <p:cNvSpPr>
-            <a:spLocks noGrp="1"/>
-          </p:cNvSpPr>
-          <p:nvPr>
-            <p:ph type="sldNum" sz="quarter" idx="12"/>
+          <p:cNvPr id="7" name="Slide Number">
+            <a:extLst>
+              <a:ext uri="{FF2B5EF4-FFF2-40B4-BE49-F238E27FC236}">
+                <a16:creationId xmlns:a16="http://schemas.microsoft.com/office/drawing/2014/main" id="{361A6DE1-C3E0-2141-AA64-FC84F35B0648}"/>
+              </a:ext>
+            </a:extLst>
+          </p:cNvPr>
+          <p:cNvSpPr>
+            <a:spLocks noGrp="1"/>
+          </p:cNvSpPr>
+          <p:nvPr>
+            <p:ph type="sldNum" sz="quarter" idx="4"/>
           </p:nvPr>
         </p:nvSpPr>
         <p:spPr/>
@@ -6311,7 +8079,1091 @@
     </p:spTree>
     <p:extLst>
       <p:ext uri="{BB962C8B-B14F-4D97-AF65-F5344CB8AC3E}">
-        <p14:creationId xmlns:p14="http://schemas.microsoft.com/office/powerpoint/2010/main" val="688098976"/>
+        <p14:creationId xmlns:p14="http://schemas.microsoft.com/office/powerpoint/2010/main" val="1753280354"/>
+      </p:ext>
+    </p:extLst>
+  </p:cSld>
+  <p:clrMapOvr>
+    <a:masterClrMapping/>
+  </p:clrMapOvr>
+</p:sld>
+</file>
+
+<file path=ppt/slides/slide6.xml><?xml version="1.0" encoding="utf-8"?>
+<p:sld xmlns:a="http://schemas.openxmlformats.org/drawingml/2006/main" xmlns:r="http://schemas.openxmlformats.org/officeDocument/2006/relationships" xmlns:p="http://schemas.openxmlformats.org/presentationml/2006/main">
+  <p:cSld>
+    <p:spTree>
+      <p:nvGrpSpPr>
+        <p:cNvPr id="1" name=""/>
+        <p:cNvGrpSpPr/>
+        <p:nvPr/>
+      </p:nvGrpSpPr>
+      <p:grpSpPr>
+        <a:xfrm>
+          <a:off x="0" y="0"/>
+          <a:ext cx="0" cy="0"/>
+          <a:chOff x="0" y="0"/>
+          <a:chExt cx="0" cy="0"/>
+        </a:xfrm>
+      </p:grpSpPr>
+      <p:sp>
+        <p:nvSpPr>
+          <p:cNvPr id="2" name="Title">
+            <a:extLst>
+              <a:ext uri="{FF2B5EF4-FFF2-40B4-BE49-F238E27FC236}">
+                <a16:creationId xmlns:a16="http://schemas.microsoft.com/office/drawing/2014/main" id="{4CA2D7D9-A500-2A47-82CF-D26789F6ABE1}"/>
+              </a:ext>
+            </a:extLst>
+          </p:cNvPr>
+          <p:cNvSpPr>
+            <a:spLocks noGrp="1"/>
+          </p:cNvSpPr>
+          <p:nvPr>
+            <p:ph type="ctrTitle"/>
+          </p:nvPr>
+        </p:nvSpPr>
+        <p:spPr/>
+        <p:txBody>
+          <a:bodyPr/>
+          <a:lstStyle/>
+          <a:p>
+            <a:r>
+              <a:rPr lang="en-US" dirty="0"/>
+              <a:t>Open-Loop Performance</a:t>
+            </a:r>
+          </a:p>
+        </p:txBody>
+      </p:sp>
+      <p:sp>
+        <p:nvSpPr>
+          <p:cNvPr id="3" name="Subtitle">
+            <a:extLst>
+              <a:ext uri="{FF2B5EF4-FFF2-40B4-BE49-F238E27FC236}">
+                <a16:creationId xmlns:a16="http://schemas.microsoft.com/office/drawing/2014/main" id="{6A848514-8C09-474A-92D2-7BDFD34F716F}"/>
+              </a:ext>
+            </a:extLst>
+          </p:cNvPr>
+          <p:cNvSpPr>
+            <a:spLocks noGrp="1"/>
+          </p:cNvSpPr>
+          <p:nvPr>
+            <p:ph type="subTitle" idx="1"/>
+          </p:nvPr>
+        </p:nvSpPr>
+        <p:spPr>
+          <a:xfrm>
+            <a:off x="1043553" y="1345166"/>
+            <a:ext cx="7288495" cy="338554"/>
+          </a:xfrm>
+        </p:spPr>
+        <p:txBody>
+          <a:bodyPr/>
+          <a:lstStyle/>
+          <a:p>
+            <a:r>
+              <a:rPr lang="en-US" dirty="0"/>
+              <a:t>Subhead </a:t>
+            </a:r>
+            <a:r>
+              <a:rPr lang="en-US" dirty="0" err="1"/>
+              <a:t>Acumin</a:t>
+            </a:r>
+            <a:r>
+              <a:rPr lang="en-US" dirty="0"/>
+              <a:t> Pro Semi Cond Bold 22 </a:t>
+            </a:r>
+            <a:r>
+              <a:rPr lang="en-US" dirty="0" err="1"/>
+              <a:t>pt</a:t>
+            </a:r>
+            <a:endParaRPr lang="en-US" dirty="0"/>
+          </a:p>
+        </p:txBody>
+      </p:sp>
+      <p:sp>
+        <p:nvSpPr>
+          <p:cNvPr id="4" name="Body Text">
+            <a:extLst>
+              <a:ext uri="{FF2B5EF4-FFF2-40B4-BE49-F238E27FC236}">
+                <a16:creationId xmlns:a16="http://schemas.microsoft.com/office/drawing/2014/main" id="{DC145CD9-0814-B14D-AC00-49E2D2CE7D96}"/>
+              </a:ext>
+            </a:extLst>
+          </p:cNvPr>
+          <p:cNvSpPr>
+            <a:spLocks noGrp="1"/>
+          </p:cNvSpPr>
+          <p:nvPr>
+            <p:ph type="body" sz="quarter" idx="14"/>
+          </p:nvPr>
+        </p:nvSpPr>
+        <p:spPr/>
+        <p:txBody>
+          <a:bodyPr/>
+          <a:lstStyle/>
+          <a:p>
+            <a:pPr lvl="0"/>
+            <a:r>
+              <a:rPr lang="en-US" dirty="0"/>
+              <a:t>Bulleted copy. </a:t>
+            </a:r>
+            <a:r>
+              <a:rPr lang="en-US" dirty="0" err="1"/>
+              <a:t>Acumin</a:t>
+            </a:r>
+            <a:r>
+              <a:rPr lang="en-US" dirty="0"/>
+              <a:t> Pro Reg 18 pt. Keep it short with bite-size chunks of information.</a:t>
+            </a:r>
+          </a:p>
+          <a:p>
+            <a:pPr lvl="0"/>
+            <a:endParaRPr lang="en-US" dirty="0"/>
+          </a:p>
+          <a:p>
+            <a:pPr lvl="0"/>
+            <a:r>
+              <a:rPr lang="en-US" dirty="0"/>
+              <a:t>Bulleted copy. </a:t>
+            </a:r>
+            <a:r>
+              <a:rPr lang="en-US" dirty="0" err="1"/>
+              <a:t>Acumin</a:t>
+            </a:r>
+            <a:r>
+              <a:rPr lang="en-US" dirty="0"/>
+              <a:t> Pro Reg 18 pt. Keep it short with bite-size chunks of information.</a:t>
+            </a:r>
+          </a:p>
+          <a:p>
+            <a:pPr lvl="0"/>
+            <a:endParaRPr lang="en-US" dirty="0"/>
+          </a:p>
+          <a:p>
+            <a:pPr lvl="0">
+              <a:defRPr/>
+            </a:pPr>
+            <a:r>
+              <a:rPr lang="en-US" dirty="0"/>
+              <a:t>Bulleted copy. </a:t>
+            </a:r>
+            <a:r>
+              <a:rPr lang="en-US" dirty="0" err="1"/>
+              <a:t>Acumin</a:t>
+            </a:r>
+            <a:r>
+              <a:rPr lang="en-US" dirty="0"/>
+              <a:t> Pro Reg 18 pt. Keep it short with bite-size chunks of information.</a:t>
+            </a:r>
+          </a:p>
+        </p:txBody>
+      </p:sp>
+      <p:sp>
+        <p:nvSpPr>
+          <p:cNvPr id="5" name="Picture or Chart">
+            <a:extLst>
+              <a:ext uri="{FF2B5EF4-FFF2-40B4-BE49-F238E27FC236}">
+                <a16:creationId xmlns:a16="http://schemas.microsoft.com/office/drawing/2014/main" id="{70C0FC20-65BB-B945-B2BE-73D28F4D84FF}"/>
+              </a:ext>
+            </a:extLst>
+          </p:cNvPr>
+          <p:cNvSpPr>
+            <a:spLocks noGrp="1"/>
+          </p:cNvSpPr>
+          <p:nvPr>
+            <p:ph sz="quarter" idx="13"/>
+          </p:nvPr>
+        </p:nvSpPr>
+        <p:spPr>
+          <a:xfrm>
+            <a:off x="6912244" y="1920876"/>
+            <a:ext cx="4591333" cy="2982913"/>
+          </a:xfrm>
+        </p:spPr>
+        <p:txBody>
+          <a:bodyPr/>
+          <a:lstStyle/>
+          <a:p>
+            <a:endParaRPr lang="en-US" dirty="0"/>
+          </a:p>
+        </p:txBody>
+      </p:sp>
+      <p:sp>
+        <p:nvSpPr>
+          <p:cNvPr id="6" name="Date">
+            <a:extLst>
+              <a:ext uri="{FF2B5EF4-FFF2-40B4-BE49-F238E27FC236}">
+                <a16:creationId xmlns:a16="http://schemas.microsoft.com/office/drawing/2014/main" id="{21019431-9B99-5843-A9A4-0370000D39E2}"/>
+              </a:ext>
+            </a:extLst>
+          </p:cNvPr>
+          <p:cNvSpPr>
+            <a:spLocks noGrp="1"/>
+          </p:cNvSpPr>
+          <p:nvPr>
+            <p:ph type="dt" sz="half" idx="2"/>
+          </p:nvPr>
+        </p:nvSpPr>
+        <p:spPr/>
+        <p:txBody>
+          <a:bodyPr/>
+          <a:lstStyle/>
+          <a:p>
+            <a:fld id="{E0C8DACD-4E35-4E4C-AC75-C3DE50F04E7E}" type="datetime1">
+              <a:rPr lang="en-US" smtClean="0"/>
+              <a:pPr/>
+              <a:t>11/22/2021</a:t>
+            </a:fld>
+            <a:endParaRPr lang="en-US" dirty="0"/>
+          </a:p>
+        </p:txBody>
+      </p:sp>
+      <p:sp>
+        <p:nvSpPr>
+          <p:cNvPr id="7" name="Slide Number">
+            <a:extLst>
+              <a:ext uri="{FF2B5EF4-FFF2-40B4-BE49-F238E27FC236}">
+                <a16:creationId xmlns:a16="http://schemas.microsoft.com/office/drawing/2014/main" id="{361A6DE1-C3E0-2141-AA64-FC84F35B0648}"/>
+              </a:ext>
+            </a:extLst>
+          </p:cNvPr>
+          <p:cNvSpPr>
+            <a:spLocks noGrp="1"/>
+          </p:cNvSpPr>
+          <p:nvPr>
+            <p:ph type="sldNum" sz="quarter" idx="4"/>
+          </p:nvPr>
+        </p:nvSpPr>
+        <p:spPr/>
+        <p:txBody>
+          <a:bodyPr/>
+          <a:lstStyle/>
+          <a:p>
+            <a:fld id="{8A7A6979-0714-4377-B894-6BE4C2D6E202}" type="slidenum">
+              <a:rPr lang="en-US" smtClean="0"/>
+              <a:pPr/>
+              <a:t>6</a:t>
+            </a:fld>
+            <a:endParaRPr lang="en-US" dirty="0"/>
+          </a:p>
+        </p:txBody>
+      </p:sp>
+    </p:spTree>
+    <p:extLst>
+      <p:ext uri="{BB962C8B-B14F-4D97-AF65-F5344CB8AC3E}">
+        <p14:creationId xmlns:p14="http://schemas.microsoft.com/office/powerpoint/2010/main" val="1327729234"/>
+      </p:ext>
+    </p:extLst>
+  </p:cSld>
+  <p:clrMapOvr>
+    <a:masterClrMapping/>
+  </p:clrMapOvr>
+</p:sld>
+</file>
+
+<file path=ppt/slides/slide7.xml><?xml version="1.0" encoding="utf-8"?>
+<p:sld xmlns:a="http://schemas.openxmlformats.org/drawingml/2006/main" xmlns:r="http://schemas.openxmlformats.org/officeDocument/2006/relationships" xmlns:p="http://schemas.openxmlformats.org/presentationml/2006/main">
+  <p:cSld>
+    <p:spTree>
+      <p:nvGrpSpPr>
+        <p:cNvPr id="1" name=""/>
+        <p:cNvGrpSpPr/>
+        <p:nvPr/>
+      </p:nvGrpSpPr>
+      <p:grpSpPr>
+        <a:xfrm>
+          <a:off x="0" y="0"/>
+          <a:ext cx="0" cy="0"/>
+          <a:chOff x="0" y="0"/>
+          <a:chExt cx="0" cy="0"/>
+        </a:xfrm>
+      </p:grpSpPr>
+      <p:sp>
+        <p:nvSpPr>
+          <p:cNvPr id="2" name="Title">
+            <a:extLst>
+              <a:ext uri="{FF2B5EF4-FFF2-40B4-BE49-F238E27FC236}">
+                <a16:creationId xmlns:a16="http://schemas.microsoft.com/office/drawing/2014/main" id="{4CA2D7D9-A500-2A47-82CF-D26789F6ABE1}"/>
+              </a:ext>
+            </a:extLst>
+          </p:cNvPr>
+          <p:cNvSpPr>
+            <a:spLocks noGrp="1"/>
+          </p:cNvSpPr>
+          <p:nvPr>
+            <p:ph type="ctrTitle"/>
+          </p:nvPr>
+        </p:nvSpPr>
+        <p:spPr/>
+        <p:txBody>
+          <a:bodyPr/>
+          <a:lstStyle/>
+          <a:p>
+            <a:r>
+              <a:rPr lang="en-US" dirty="0"/>
+              <a:t>Controller Design</a:t>
+            </a:r>
+          </a:p>
+        </p:txBody>
+      </p:sp>
+      <p:sp>
+        <p:nvSpPr>
+          <p:cNvPr id="3" name="Subtitle">
+            <a:extLst>
+              <a:ext uri="{FF2B5EF4-FFF2-40B4-BE49-F238E27FC236}">
+                <a16:creationId xmlns:a16="http://schemas.microsoft.com/office/drawing/2014/main" id="{6A848514-8C09-474A-92D2-7BDFD34F716F}"/>
+              </a:ext>
+            </a:extLst>
+          </p:cNvPr>
+          <p:cNvSpPr>
+            <a:spLocks noGrp="1"/>
+          </p:cNvSpPr>
+          <p:nvPr>
+            <p:ph type="subTitle" idx="1"/>
+          </p:nvPr>
+        </p:nvSpPr>
+        <p:spPr>
+          <a:xfrm>
+            <a:off x="1043553" y="1345166"/>
+            <a:ext cx="7288495" cy="338554"/>
+          </a:xfrm>
+        </p:spPr>
+        <p:txBody>
+          <a:bodyPr/>
+          <a:lstStyle/>
+          <a:p>
+            <a:r>
+              <a:rPr lang="en-US" dirty="0"/>
+              <a:t>Subhead </a:t>
+            </a:r>
+            <a:r>
+              <a:rPr lang="en-US" dirty="0" err="1"/>
+              <a:t>Acumin</a:t>
+            </a:r>
+            <a:r>
+              <a:rPr lang="en-US" dirty="0"/>
+              <a:t> Pro Semi Cond Bold 22 </a:t>
+            </a:r>
+            <a:r>
+              <a:rPr lang="en-US" dirty="0" err="1"/>
+              <a:t>pt</a:t>
+            </a:r>
+            <a:endParaRPr lang="en-US" dirty="0"/>
+          </a:p>
+        </p:txBody>
+      </p:sp>
+      <p:sp>
+        <p:nvSpPr>
+          <p:cNvPr id="4" name="Body Text">
+            <a:extLst>
+              <a:ext uri="{FF2B5EF4-FFF2-40B4-BE49-F238E27FC236}">
+                <a16:creationId xmlns:a16="http://schemas.microsoft.com/office/drawing/2014/main" id="{DC145CD9-0814-B14D-AC00-49E2D2CE7D96}"/>
+              </a:ext>
+            </a:extLst>
+          </p:cNvPr>
+          <p:cNvSpPr>
+            <a:spLocks noGrp="1"/>
+          </p:cNvSpPr>
+          <p:nvPr>
+            <p:ph type="body" sz="quarter" idx="14"/>
+          </p:nvPr>
+        </p:nvSpPr>
+        <p:spPr/>
+        <p:txBody>
+          <a:bodyPr/>
+          <a:lstStyle/>
+          <a:p>
+            <a:pPr lvl="0"/>
+            <a:r>
+              <a:rPr lang="en-US" dirty="0"/>
+              <a:t>Bulleted copy. </a:t>
+            </a:r>
+            <a:r>
+              <a:rPr lang="en-US" dirty="0" err="1"/>
+              <a:t>Acumin</a:t>
+            </a:r>
+            <a:r>
+              <a:rPr lang="en-US" dirty="0"/>
+              <a:t> Pro Reg 18 pt. Keep it short with bite-size chunks of information.</a:t>
+            </a:r>
+          </a:p>
+          <a:p>
+            <a:pPr lvl="0"/>
+            <a:endParaRPr lang="en-US" dirty="0"/>
+          </a:p>
+          <a:p>
+            <a:pPr lvl="0"/>
+            <a:r>
+              <a:rPr lang="en-US" dirty="0"/>
+              <a:t>Bulleted copy. </a:t>
+            </a:r>
+            <a:r>
+              <a:rPr lang="en-US" dirty="0" err="1"/>
+              <a:t>Acumin</a:t>
+            </a:r>
+            <a:r>
+              <a:rPr lang="en-US" dirty="0"/>
+              <a:t> Pro Reg 18 pt. Keep it short with bite-size chunks of information.</a:t>
+            </a:r>
+          </a:p>
+          <a:p>
+            <a:pPr lvl="0"/>
+            <a:endParaRPr lang="en-US" dirty="0"/>
+          </a:p>
+          <a:p>
+            <a:pPr lvl="0">
+              <a:defRPr/>
+            </a:pPr>
+            <a:r>
+              <a:rPr lang="en-US" dirty="0"/>
+              <a:t>Bulleted copy. </a:t>
+            </a:r>
+            <a:r>
+              <a:rPr lang="en-US" dirty="0" err="1"/>
+              <a:t>Acumin</a:t>
+            </a:r>
+            <a:r>
+              <a:rPr lang="en-US" dirty="0"/>
+              <a:t> Pro Reg 18 pt. Keep it short with bite-size chunks of information.</a:t>
+            </a:r>
+          </a:p>
+        </p:txBody>
+      </p:sp>
+      <p:sp>
+        <p:nvSpPr>
+          <p:cNvPr id="5" name="Picture or Chart">
+            <a:extLst>
+              <a:ext uri="{FF2B5EF4-FFF2-40B4-BE49-F238E27FC236}">
+                <a16:creationId xmlns:a16="http://schemas.microsoft.com/office/drawing/2014/main" id="{70C0FC20-65BB-B945-B2BE-73D28F4D84FF}"/>
+              </a:ext>
+            </a:extLst>
+          </p:cNvPr>
+          <p:cNvSpPr>
+            <a:spLocks noGrp="1"/>
+          </p:cNvSpPr>
+          <p:nvPr>
+            <p:ph sz="quarter" idx="13"/>
+          </p:nvPr>
+        </p:nvSpPr>
+        <p:spPr>
+          <a:xfrm>
+            <a:off x="6912244" y="1920876"/>
+            <a:ext cx="4591333" cy="2982913"/>
+          </a:xfrm>
+        </p:spPr>
+        <p:txBody>
+          <a:bodyPr/>
+          <a:lstStyle/>
+          <a:p>
+            <a:endParaRPr lang="en-US" dirty="0"/>
+          </a:p>
+        </p:txBody>
+      </p:sp>
+      <p:sp>
+        <p:nvSpPr>
+          <p:cNvPr id="6" name="Date">
+            <a:extLst>
+              <a:ext uri="{FF2B5EF4-FFF2-40B4-BE49-F238E27FC236}">
+                <a16:creationId xmlns:a16="http://schemas.microsoft.com/office/drawing/2014/main" id="{21019431-9B99-5843-A9A4-0370000D39E2}"/>
+              </a:ext>
+            </a:extLst>
+          </p:cNvPr>
+          <p:cNvSpPr>
+            <a:spLocks noGrp="1"/>
+          </p:cNvSpPr>
+          <p:nvPr>
+            <p:ph type="dt" sz="half" idx="2"/>
+          </p:nvPr>
+        </p:nvSpPr>
+        <p:spPr/>
+        <p:txBody>
+          <a:bodyPr/>
+          <a:lstStyle/>
+          <a:p>
+            <a:fld id="{E0C8DACD-4E35-4E4C-AC75-C3DE50F04E7E}" type="datetime1">
+              <a:rPr lang="en-US" smtClean="0"/>
+              <a:pPr/>
+              <a:t>11/22/2021</a:t>
+            </a:fld>
+            <a:endParaRPr lang="en-US" dirty="0"/>
+          </a:p>
+        </p:txBody>
+      </p:sp>
+      <p:sp>
+        <p:nvSpPr>
+          <p:cNvPr id="7" name="Slide Number">
+            <a:extLst>
+              <a:ext uri="{FF2B5EF4-FFF2-40B4-BE49-F238E27FC236}">
+                <a16:creationId xmlns:a16="http://schemas.microsoft.com/office/drawing/2014/main" id="{361A6DE1-C3E0-2141-AA64-FC84F35B0648}"/>
+              </a:ext>
+            </a:extLst>
+          </p:cNvPr>
+          <p:cNvSpPr>
+            <a:spLocks noGrp="1"/>
+          </p:cNvSpPr>
+          <p:nvPr>
+            <p:ph type="sldNum" sz="quarter" idx="4"/>
+          </p:nvPr>
+        </p:nvSpPr>
+        <p:spPr/>
+        <p:txBody>
+          <a:bodyPr/>
+          <a:lstStyle/>
+          <a:p>
+            <a:fld id="{8A7A6979-0714-4377-B894-6BE4C2D6E202}" type="slidenum">
+              <a:rPr lang="en-US" smtClean="0"/>
+              <a:pPr/>
+              <a:t>7</a:t>
+            </a:fld>
+            <a:endParaRPr lang="en-US" dirty="0"/>
+          </a:p>
+        </p:txBody>
+      </p:sp>
+    </p:spTree>
+    <p:extLst>
+      <p:ext uri="{BB962C8B-B14F-4D97-AF65-F5344CB8AC3E}">
+        <p14:creationId xmlns:p14="http://schemas.microsoft.com/office/powerpoint/2010/main" val="1338461615"/>
+      </p:ext>
+    </p:extLst>
+  </p:cSld>
+  <p:clrMapOvr>
+    <a:masterClrMapping/>
+  </p:clrMapOvr>
+</p:sld>
+</file>
+
+<file path=ppt/slides/slide8.xml><?xml version="1.0" encoding="utf-8"?>
+<p:sld xmlns:a="http://schemas.openxmlformats.org/drawingml/2006/main" xmlns:r="http://schemas.openxmlformats.org/officeDocument/2006/relationships" xmlns:p="http://schemas.openxmlformats.org/presentationml/2006/main">
+  <p:cSld>
+    <p:spTree>
+      <p:nvGrpSpPr>
+        <p:cNvPr id="1" name=""/>
+        <p:cNvGrpSpPr/>
+        <p:nvPr/>
+      </p:nvGrpSpPr>
+      <p:grpSpPr>
+        <a:xfrm>
+          <a:off x="0" y="0"/>
+          <a:ext cx="0" cy="0"/>
+          <a:chOff x="0" y="0"/>
+          <a:chExt cx="0" cy="0"/>
+        </a:xfrm>
+      </p:grpSpPr>
+      <p:sp>
+        <p:nvSpPr>
+          <p:cNvPr id="2" name="Title">
+            <a:extLst>
+              <a:ext uri="{FF2B5EF4-FFF2-40B4-BE49-F238E27FC236}">
+                <a16:creationId xmlns:a16="http://schemas.microsoft.com/office/drawing/2014/main" id="{4CA2D7D9-A500-2A47-82CF-D26789F6ABE1}"/>
+              </a:ext>
+            </a:extLst>
+          </p:cNvPr>
+          <p:cNvSpPr>
+            <a:spLocks noGrp="1"/>
+          </p:cNvSpPr>
+          <p:nvPr>
+            <p:ph type="ctrTitle"/>
+          </p:nvPr>
+        </p:nvSpPr>
+        <p:spPr/>
+        <p:txBody>
+          <a:bodyPr/>
+          <a:lstStyle/>
+          <a:p>
+            <a:r>
+              <a:rPr lang="en-US" dirty="0"/>
+              <a:t>Closed-Loop Performance</a:t>
+            </a:r>
+          </a:p>
+        </p:txBody>
+      </p:sp>
+      <p:sp>
+        <p:nvSpPr>
+          <p:cNvPr id="3" name="Subtitle">
+            <a:extLst>
+              <a:ext uri="{FF2B5EF4-FFF2-40B4-BE49-F238E27FC236}">
+                <a16:creationId xmlns:a16="http://schemas.microsoft.com/office/drawing/2014/main" id="{6A848514-8C09-474A-92D2-7BDFD34F716F}"/>
+              </a:ext>
+            </a:extLst>
+          </p:cNvPr>
+          <p:cNvSpPr>
+            <a:spLocks noGrp="1"/>
+          </p:cNvSpPr>
+          <p:nvPr>
+            <p:ph type="subTitle" idx="1"/>
+          </p:nvPr>
+        </p:nvSpPr>
+        <p:spPr>
+          <a:xfrm>
+            <a:off x="1043553" y="1345166"/>
+            <a:ext cx="7288495" cy="338554"/>
+          </a:xfrm>
+        </p:spPr>
+        <p:txBody>
+          <a:bodyPr/>
+          <a:lstStyle/>
+          <a:p>
+            <a:r>
+              <a:rPr lang="en-US" dirty="0"/>
+              <a:t>Subhead </a:t>
+            </a:r>
+            <a:r>
+              <a:rPr lang="en-US" dirty="0" err="1"/>
+              <a:t>Acumin</a:t>
+            </a:r>
+            <a:r>
+              <a:rPr lang="en-US" dirty="0"/>
+              <a:t> Pro Semi Cond Bold 22 </a:t>
+            </a:r>
+            <a:r>
+              <a:rPr lang="en-US" dirty="0" err="1"/>
+              <a:t>pt</a:t>
+            </a:r>
+            <a:endParaRPr lang="en-US" dirty="0"/>
+          </a:p>
+        </p:txBody>
+      </p:sp>
+      <p:sp>
+        <p:nvSpPr>
+          <p:cNvPr id="4" name="Body Text">
+            <a:extLst>
+              <a:ext uri="{FF2B5EF4-FFF2-40B4-BE49-F238E27FC236}">
+                <a16:creationId xmlns:a16="http://schemas.microsoft.com/office/drawing/2014/main" id="{DC145CD9-0814-B14D-AC00-49E2D2CE7D96}"/>
+              </a:ext>
+            </a:extLst>
+          </p:cNvPr>
+          <p:cNvSpPr>
+            <a:spLocks noGrp="1"/>
+          </p:cNvSpPr>
+          <p:nvPr>
+            <p:ph type="body" sz="quarter" idx="14"/>
+          </p:nvPr>
+        </p:nvSpPr>
+        <p:spPr/>
+        <p:txBody>
+          <a:bodyPr/>
+          <a:lstStyle/>
+          <a:p>
+            <a:pPr lvl="0"/>
+            <a:r>
+              <a:rPr lang="en-US" dirty="0"/>
+              <a:t>Bulleted copy. </a:t>
+            </a:r>
+            <a:r>
+              <a:rPr lang="en-US" dirty="0" err="1"/>
+              <a:t>Acumin</a:t>
+            </a:r>
+            <a:r>
+              <a:rPr lang="en-US" dirty="0"/>
+              <a:t> Pro Reg 18 pt. Keep it short with bite-size chunks of information.</a:t>
+            </a:r>
+          </a:p>
+          <a:p>
+            <a:pPr lvl="0"/>
+            <a:endParaRPr lang="en-US" dirty="0"/>
+          </a:p>
+          <a:p>
+            <a:pPr lvl="0"/>
+            <a:r>
+              <a:rPr lang="en-US" dirty="0"/>
+              <a:t>Bulleted copy. </a:t>
+            </a:r>
+            <a:r>
+              <a:rPr lang="en-US" dirty="0" err="1"/>
+              <a:t>Acumin</a:t>
+            </a:r>
+            <a:r>
+              <a:rPr lang="en-US" dirty="0"/>
+              <a:t> Pro Reg 18 pt. Keep it short with bite-size chunks of information.</a:t>
+            </a:r>
+          </a:p>
+          <a:p>
+            <a:pPr lvl="0"/>
+            <a:endParaRPr lang="en-US" dirty="0"/>
+          </a:p>
+          <a:p>
+            <a:pPr lvl="0">
+              <a:defRPr/>
+            </a:pPr>
+            <a:r>
+              <a:rPr lang="en-US" dirty="0"/>
+              <a:t>Bulleted copy. </a:t>
+            </a:r>
+            <a:r>
+              <a:rPr lang="en-US" dirty="0" err="1"/>
+              <a:t>Acumin</a:t>
+            </a:r>
+            <a:r>
+              <a:rPr lang="en-US" dirty="0"/>
+              <a:t> Pro Reg 18 pt. Keep it short with bite-size chunks of information.</a:t>
+            </a:r>
+          </a:p>
+        </p:txBody>
+      </p:sp>
+      <p:sp>
+        <p:nvSpPr>
+          <p:cNvPr id="5" name="Picture or Chart">
+            <a:extLst>
+              <a:ext uri="{FF2B5EF4-FFF2-40B4-BE49-F238E27FC236}">
+                <a16:creationId xmlns:a16="http://schemas.microsoft.com/office/drawing/2014/main" id="{70C0FC20-65BB-B945-B2BE-73D28F4D84FF}"/>
+              </a:ext>
+            </a:extLst>
+          </p:cNvPr>
+          <p:cNvSpPr>
+            <a:spLocks noGrp="1"/>
+          </p:cNvSpPr>
+          <p:nvPr>
+            <p:ph sz="quarter" idx="13"/>
+          </p:nvPr>
+        </p:nvSpPr>
+        <p:spPr>
+          <a:xfrm>
+            <a:off x="6912244" y="1920876"/>
+            <a:ext cx="4591333" cy="2982913"/>
+          </a:xfrm>
+        </p:spPr>
+        <p:txBody>
+          <a:bodyPr/>
+          <a:lstStyle/>
+          <a:p>
+            <a:endParaRPr lang="en-US" dirty="0"/>
+          </a:p>
+        </p:txBody>
+      </p:sp>
+      <p:sp>
+        <p:nvSpPr>
+          <p:cNvPr id="6" name="Date">
+            <a:extLst>
+              <a:ext uri="{FF2B5EF4-FFF2-40B4-BE49-F238E27FC236}">
+                <a16:creationId xmlns:a16="http://schemas.microsoft.com/office/drawing/2014/main" id="{21019431-9B99-5843-A9A4-0370000D39E2}"/>
+              </a:ext>
+            </a:extLst>
+          </p:cNvPr>
+          <p:cNvSpPr>
+            <a:spLocks noGrp="1"/>
+          </p:cNvSpPr>
+          <p:nvPr>
+            <p:ph type="dt" sz="half" idx="2"/>
+          </p:nvPr>
+        </p:nvSpPr>
+        <p:spPr/>
+        <p:txBody>
+          <a:bodyPr/>
+          <a:lstStyle/>
+          <a:p>
+            <a:fld id="{E0C8DACD-4E35-4E4C-AC75-C3DE50F04E7E}" type="datetime1">
+              <a:rPr lang="en-US" smtClean="0"/>
+              <a:pPr/>
+              <a:t>11/22/2021</a:t>
+            </a:fld>
+            <a:endParaRPr lang="en-US" dirty="0"/>
+          </a:p>
+        </p:txBody>
+      </p:sp>
+      <p:sp>
+        <p:nvSpPr>
+          <p:cNvPr id="7" name="Slide Number">
+            <a:extLst>
+              <a:ext uri="{FF2B5EF4-FFF2-40B4-BE49-F238E27FC236}">
+                <a16:creationId xmlns:a16="http://schemas.microsoft.com/office/drawing/2014/main" id="{361A6DE1-C3E0-2141-AA64-FC84F35B0648}"/>
+              </a:ext>
+            </a:extLst>
+          </p:cNvPr>
+          <p:cNvSpPr>
+            <a:spLocks noGrp="1"/>
+          </p:cNvSpPr>
+          <p:nvPr>
+            <p:ph type="sldNum" sz="quarter" idx="4"/>
+          </p:nvPr>
+        </p:nvSpPr>
+        <p:spPr/>
+        <p:txBody>
+          <a:bodyPr/>
+          <a:lstStyle/>
+          <a:p>
+            <a:fld id="{8A7A6979-0714-4377-B894-6BE4C2D6E202}" type="slidenum">
+              <a:rPr lang="en-US" smtClean="0"/>
+              <a:pPr/>
+              <a:t>8</a:t>
+            </a:fld>
+            <a:endParaRPr lang="en-US" dirty="0"/>
+          </a:p>
+        </p:txBody>
+      </p:sp>
+    </p:spTree>
+    <p:extLst>
+      <p:ext uri="{BB962C8B-B14F-4D97-AF65-F5344CB8AC3E}">
+        <p14:creationId xmlns:p14="http://schemas.microsoft.com/office/powerpoint/2010/main" val="849413266"/>
+      </p:ext>
+    </p:extLst>
+  </p:cSld>
+  <p:clrMapOvr>
+    <a:masterClrMapping/>
+  </p:clrMapOvr>
+</p:sld>
+</file>
+
+<file path=ppt/slides/slide9.xml><?xml version="1.0" encoding="utf-8"?>
+<p:sld xmlns:a="http://schemas.openxmlformats.org/drawingml/2006/main" xmlns:r="http://schemas.openxmlformats.org/officeDocument/2006/relationships" xmlns:p="http://schemas.openxmlformats.org/presentationml/2006/main">
+  <p:cSld>
+    <p:spTree>
+      <p:nvGrpSpPr>
+        <p:cNvPr id="1" name=""/>
+        <p:cNvGrpSpPr/>
+        <p:nvPr/>
+      </p:nvGrpSpPr>
+      <p:grpSpPr>
+        <a:xfrm>
+          <a:off x="0" y="0"/>
+          <a:ext cx="0" cy="0"/>
+          <a:chOff x="0" y="0"/>
+          <a:chExt cx="0" cy="0"/>
+        </a:xfrm>
+      </p:grpSpPr>
+      <p:sp>
+        <p:nvSpPr>
+          <p:cNvPr id="2" name="Title">
+            <a:extLst>
+              <a:ext uri="{FF2B5EF4-FFF2-40B4-BE49-F238E27FC236}">
+                <a16:creationId xmlns:a16="http://schemas.microsoft.com/office/drawing/2014/main" id="{4CA2D7D9-A500-2A47-82CF-D26789F6ABE1}"/>
+              </a:ext>
+            </a:extLst>
+          </p:cNvPr>
+          <p:cNvSpPr>
+            <a:spLocks noGrp="1"/>
+          </p:cNvSpPr>
+          <p:nvPr>
+            <p:ph type="ctrTitle"/>
+          </p:nvPr>
+        </p:nvSpPr>
+        <p:spPr/>
+        <p:txBody>
+          <a:bodyPr/>
+          <a:lstStyle/>
+          <a:p>
+            <a:r>
+              <a:rPr lang="en-US" dirty="0"/>
+              <a:t>Simulation Results</a:t>
+            </a:r>
+          </a:p>
+        </p:txBody>
+      </p:sp>
+      <p:sp>
+        <p:nvSpPr>
+          <p:cNvPr id="3" name="Subtitle">
+            <a:extLst>
+              <a:ext uri="{FF2B5EF4-FFF2-40B4-BE49-F238E27FC236}">
+                <a16:creationId xmlns:a16="http://schemas.microsoft.com/office/drawing/2014/main" id="{6A848514-8C09-474A-92D2-7BDFD34F716F}"/>
+              </a:ext>
+            </a:extLst>
+          </p:cNvPr>
+          <p:cNvSpPr>
+            <a:spLocks noGrp="1"/>
+          </p:cNvSpPr>
+          <p:nvPr>
+            <p:ph type="subTitle" idx="1"/>
+          </p:nvPr>
+        </p:nvSpPr>
+        <p:spPr>
+          <a:xfrm>
+            <a:off x="1043553" y="1345166"/>
+            <a:ext cx="7288495" cy="338554"/>
+          </a:xfrm>
+        </p:spPr>
+        <p:txBody>
+          <a:bodyPr/>
+          <a:lstStyle/>
+          <a:p>
+            <a:r>
+              <a:rPr lang="en-US" dirty="0"/>
+              <a:t>Subhead </a:t>
+            </a:r>
+            <a:r>
+              <a:rPr lang="en-US" dirty="0" err="1"/>
+              <a:t>Acumin</a:t>
+            </a:r>
+            <a:r>
+              <a:rPr lang="en-US" dirty="0"/>
+              <a:t> Pro Semi Cond Bold 22 </a:t>
+            </a:r>
+            <a:r>
+              <a:rPr lang="en-US" dirty="0" err="1"/>
+              <a:t>pt</a:t>
+            </a:r>
+            <a:endParaRPr lang="en-US" dirty="0"/>
+          </a:p>
+        </p:txBody>
+      </p:sp>
+      <p:sp>
+        <p:nvSpPr>
+          <p:cNvPr id="4" name="Body Text">
+            <a:extLst>
+              <a:ext uri="{FF2B5EF4-FFF2-40B4-BE49-F238E27FC236}">
+                <a16:creationId xmlns:a16="http://schemas.microsoft.com/office/drawing/2014/main" id="{DC145CD9-0814-B14D-AC00-49E2D2CE7D96}"/>
+              </a:ext>
+            </a:extLst>
+          </p:cNvPr>
+          <p:cNvSpPr>
+            <a:spLocks noGrp="1"/>
+          </p:cNvSpPr>
+          <p:nvPr>
+            <p:ph type="body" sz="quarter" idx="14"/>
+          </p:nvPr>
+        </p:nvSpPr>
+        <p:spPr/>
+        <p:txBody>
+          <a:bodyPr/>
+          <a:lstStyle/>
+          <a:p>
+            <a:pPr lvl="0"/>
+            <a:r>
+              <a:rPr lang="en-US" dirty="0"/>
+              <a:t>Bulleted copy. </a:t>
+            </a:r>
+            <a:r>
+              <a:rPr lang="en-US" dirty="0" err="1"/>
+              <a:t>Acumin</a:t>
+            </a:r>
+            <a:r>
+              <a:rPr lang="en-US" dirty="0"/>
+              <a:t> Pro Reg 18 pt. Keep it short with bite-size chunks of information.</a:t>
+            </a:r>
+          </a:p>
+          <a:p>
+            <a:pPr lvl="0"/>
+            <a:endParaRPr lang="en-US" dirty="0"/>
+          </a:p>
+          <a:p>
+            <a:pPr lvl="0"/>
+            <a:r>
+              <a:rPr lang="en-US" dirty="0"/>
+              <a:t>Bulleted copy. </a:t>
+            </a:r>
+            <a:r>
+              <a:rPr lang="en-US" dirty="0" err="1"/>
+              <a:t>Acumin</a:t>
+            </a:r>
+            <a:r>
+              <a:rPr lang="en-US" dirty="0"/>
+              <a:t> Pro Reg 18 pt. Keep it short with bite-size chunks of information.</a:t>
+            </a:r>
+          </a:p>
+          <a:p>
+            <a:pPr lvl="0"/>
+            <a:endParaRPr lang="en-US" dirty="0"/>
+          </a:p>
+          <a:p>
+            <a:pPr lvl="0">
+              <a:defRPr/>
+            </a:pPr>
+            <a:r>
+              <a:rPr lang="en-US" dirty="0"/>
+              <a:t>Bulleted copy. </a:t>
+            </a:r>
+            <a:r>
+              <a:rPr lang="en-US" dirty="0" err="1"/>
+              <a:t>Acumin</a:t>
+            </a:r>
+            <a:r>
+              <a:rPr lang="en-US" dirty="0"/>
+              <a:t> Pro Reg 18 pt. Keep it short with bite-size chunks of information.</a:t>
+            </a:r>
+          </a:p>
+        </p:txBody>
+      </p:sp>
+      <p:sp>
+        <p:nvSpPr>
+          <p:cNvPr id="5" name="Picture or Chart">
+            <a:extLst>
+              <a:ext uri="{FF2B5EF4-FFF2-40B4-BE49-F238E27FC236}">
+                <a16:creationId xmlns:a16="http://schemas.microsoft.com/office/drawing/2014/main" id="{70C0FC20-65BB-B945-B2BE-73D28F4D84FF}"/>
+              </a:ext>
+            </a:extLst>
+          </p:cNvPr>
+          <p:cNvSpPr>
+            <a:spLocks noGrp="1"/>
+          </p:cNvSpPr>
+          <p:nvPr>
+            <p:ph sz="quarter" idx="13"/>
+          </p:nvPr>
+        </p:nvSpPr>
+        <p:spPr>
+          <a:xfrm>
+            <a:off x="6912244" y="1920876"/>
+            <a:ext cx="4591333" cy="2982913"/>
+          </a:xfrm>
+        </p:spPr>
+        <p:txBody>
+          <a:bodyPr/>
+          <a:lstStyle/>
+          <a:p>
+            <a:endParaRPr lang="en-US" dirty="0"/>
+          </a:p>
+        </p:txBody>
+      </p:sp>
+      <p:sp>
+        <p:nvSpPr>
+          <p:cNvPr id="6" name="Date">
+            <a:extLst>
+              <a:ext uri="{FF2B5EF4-FFF2-40B4-BE49-F238E27FC236}">
+                <a16:creationId xmlns:a16="http://schemas.microsoft.com/office/drawing/2014/main" id="{21019431-9B99-5843-A9A4-0370000D39E2}"/>
+              </a:ext>
+            </a:extLst>
+          </p:cNvPr>
+          <p:cNvSpPr>
+            <a:spLocks noGrp="1"/>
+          </p:cNvSpPr>
+          <p:nvPr>
+            <p:ph type="dt" sz="half" idx="2"/>
+          </p:nvPr>
+        </p:nvSpPr>
+        <p:spPr/>
+        <p:txBody>
+          <a:bodyPr/>
+          <a:lstStyle/>
+          <a:p>
+            <a:fld id="{E0C8DACD-4E35-4E4C-AC75-C3DE50F04E7E}" type="datetime1">
+              <a:rPr lang="en-US" smtClean="0"/>
+              <a:pPr/>
+              <a:t>11/22/2021</a:t>
+            </a:fld>
+            <a:endParaRPr lang="en-US" dirty="0"/>
+          </a:p>
+        </p:txBody>
+      </p:sp>
+      <p:sp>
+        <p:nvSpPr>
+          <p:cNvPr id="7" name="Slide Number">
+            <a:extLst>
+              <a:ext uri="{FF2B5EF4-FFF2-40B4-BE49-F238E27FC236}">
+                <a16:creationId xmlns:a16="http://schemas.microsoft.com/office/drawing/2014/main" id="{361A6DE1-C3E0-2141-AA64-FC84F35B0648}"/>
+              </a:ext>
+            </a:extLst>
+          </p:cNvPr>
+          <p:cNvSpPr>
+            <a:spLocks noGrp="1"/>
+          </p:cNvSpPr>
+          <p:nvPr>
+            <p:ph type="sldNum" sz="quarter" idx="4"/>
+          </p:nvPr>
+        </p:nvSpPr>
+        <p:spPr/>
+        <p:txBody>
+          <a:bodyPr/>
+          <a:lstStyle/>
+          <a:p>
+            <a:fld id="{8A7A6979-0714-4377-B894-6BE4C2D6E202}" type="slidenum">
+              <a:rPr lang="en-US" smtClean="0"/>
+              <a:pPr/>
+              <a:t>9</a:t>
+            </a:fld>
+            <a:endParaRPr lang="en-US" dirty="0"/>
+          </a:p>
+        </p:txBody>
+      </p:sp>
+    </p:spTree>
+    <p:extLst>
+      <p:ext uri="{BB962C8B-B14F-4D97-AF65-F5344CB8AC3E}">
+        <p14:creationId xmlns:p14="http://schemas.microsoft.com/office/powerpoint/2010/main" val="1234360824"/>
       </p:ext>
     </p:extLst>
   </p:cSld>
